--- a/terraform/slides/delivery/03__terraform-walk-through.pptx
+++ b/terraform/slides/delivery/03__terraform-walk-through.pptx
@@ -5,10 +5,10 @@
     <p:sldMasterId id="2147483648" r:id="rId1"/>
   </p:sldMasterIdLst>
   <p:notesMasterIdLst>
-    <p:notesMasterId r:id="rId35"/>
+    <p:notesMasterId r:id="rId38"/>
   </p:notesMasterIdLst>
   <p:handoutMasterIdLst>
-    <p:handoutMasterId r:id="rId87"/>
+    <p:handoutMasterId r:id="rId90"/>
   </p:handoutMasterIdLst>
   <p:sldIdLst>
     <p:sldId id="256" r:id="rId3"/>
@@ -30,70 +30,73 @@
     <p:sldId id="272" r:id="rId19"/>
     <p:sldId id="273" r:id="rId20"/>
     <p:sldId id="274" r:id="rId21"/>
-    <p:sldId id="275" r:id="rId22"/>
-    <p:sldId id="276" r:id="rId23"/>
-    <p:sldId id="277" r:id="rId24"/>
-    <p:sldId id="278" r:id="rId25"/>
-    <p:sldId id="279" r:id="rId26"/>
-    <p:sldId id="280" r:id="rId27"/>
-    <p:sldId id="281" r:id="rId28"/>
-    <p:sldId id="282" r:id="rId29"/>
-    <p:sldId id="283" r:id="rId30"/>
-    <p:sldId id="284" r:id="rId31"/>
-    <p:sldId id="285" r:id="rId32"/>
-    <p:sldId id="286" r:id="rId33"/>
-    <p:sldId id="287" r:id="rId34"/>
-    <p:sldId id="288" r:id="rId36"/>
-    <p:sldId id="289" r:id="rId37"/>
-    <p:sldId id="290" r:id="rId38"/>
-    <p:sldId id="291" r:id="rId39"/>
-    <p:sldId id="292" r:id="rId40"/>
-    <p:sldId id="293" r:id="rId41"/>
-    <p:sldId id="294" r:id="rId42"/>
-    <p:sldId id="295" r:id="rId43"/>
-    <p:sldId id="296" r:id="rId44"/>
-    <p:sldId id="297" r:id="rId45"/>
-    <p:sldId id="298" r:id="rId46"/>
-    <p:sldId id="299" r:id="rId47"/>
-    <p:sldId id="300" r:id="rId48"/>
-    <p:sldId id="301" r:id="rId49"/>
-    <p:sldId id="302" r:id="rId50"/>
-    <p:sldId id="303" r:id="rId51"/>
-    <p:sldId id="304" r:id="rId52"/>
-    <p:sldId id="305" r:id="rId53"/>
-    <p:sldId id="306" r:id="rId54"/>
-    <p:sldId id="307" r:id="rId55"/>
-    <p:sldId id="308" r:id="rId56"/>
-    <p:sldId id="309" r:id="rId57"/>
-    <p:sldId id="310" r:id="rId58"/>
-    <p:sldId id="311" r:id="rId59"/>
-    <p:sldId id="312" r:id="rId60"/>
-    <p:sldId id="313" r:id="rId61"/>
-    <p:sldId id="314" r:id="rId62"/>
-    <p:sldId id="315" r:id="rId63"/>
-    <p:sldId id="316" r:id="rId64"/>
-    <p:sldId id="317" r:id="rId65"/>
-    <p:sldId id="318" r:id="rId66"/>
-    <p:sldId id="319" r:id="rId67"/>
-    <p:sldId id="320" r:id="rId68"/>
-    <p:sldId id="321" r:id="rId69"/>
-    <p:sldId id="322" r:id="rId70"/>
-    <p:sldId id="323" r:id="rId71"/>
-    <p:sldId id="324" r:id="rId72"/>
-    <p:sldId id="325" r:id="rId73"/>
-    <p:sldId id="326" r:id="rId74"/>
-    <p:sldId id="327" r:id="rId75"/>
-    <p:sldId id="328" r:id="rId76"/>
-    <p:sldId id="329" r:id="rId77"/>
-    <p:sldId id="330" r:id="rId78"/>
-    <p:sldId id="331" r:id="rId79"/>
-    <p:sldId id="332" r:id="rId80"/>
-    <p:sldId id="333" r:id="rId81"/>
-    <p:sldId id="334" r:id="rId82"/>
-    <p:sldId id="335" r:id="rId83"/>
-    <p:sldId id="336" r:id="rId84"/>
-    <p:sldId id="337" r:id="rId85"/>
-    <p:sldId id="338" r:id="rId86"/>
+    <p:sldId id="339" r:id="rId22"/>
+    <p:sldId id="275" r:id="rId23"/>
+    <p:sldId id="276" r:id="rId24"/>
+    <p:sldId id="277" r:id="rId25"/>
+    <p:sldId id="340" r:id="rId26"/>
+    <p:sldId id="278" r:id="rId27"/>
+    <p:sldId id="279" r:id="rId28"/>
+    <p:sldId id="280" r:id="rId29"/>
+    <p:sldId id="281" r:id="rId30"/>
+    <p:sldId id="282" r:id="rId31"/>
+    <p:sldId id="283" r:id="rId32"/>
+    <p:sldId id="284" r:id="rId33"/>
+    <p:sldId id="285" r:id="rId34"/>
+    <p:sldId id="286" r:id="rId35"/>
+    <p:sldId id="341" r:id="rId36"/>
+    <p:sldId id="287" r:id="rId37"/>
+    <p:sldId id="288" r:id="rId39"/>
+    <p:sldId id="289" r:id="rId40"/>
+    <p:sldId id="290" r:id="rId41"/>
+    <p:sldId id="291" r:id="rId42"/>
+    <p:sldId id="293" r:id="rId43"/>
+    <p:sldId id="294" r:id="rId44"/>
+    <p:sldId id="295" r:id="rId45"/>
+    <p:sldId id="296" r:id="rId46"/>
+    <p:sldId id="297" r:id="rId47"/>
+    <p:sldId id="298" r:id="rId48"/>
+    <p:sldId id="299" r:id="rId49"/>
+    <p:sldId id="300" r:id="rId50"/>
+    <p:sldId id="301" r:id="rId51"/>
+    <p:sldId id="302" r:id="rId52"/>
+    <p:sldId id="303" r:id="rId53"/>
+    <p:sldId id="304" r:id="rId54"/>
+    <p:sldId id="305" r:id="rId55"/>
+    <p:sldId id="306" r:id="rId56"/>
+    <p:sldId id="307" r:id="rId57"/>
+    <p:sldId id="308" r:id="rId58"/>
+    <p:sldId id="343" r:id="rId59"/>
+    <p:sldId id="310" r:id="rId60"/>
+    <p:sldId id="311" r:id="rId61"/>
+    <p:sldId id="312" r:id="rId62"/>
+    <p:sldId id="313" r:id="rId63"/>
+    <p:sldId id="314" r:id="rId64"/>
+    <p:sldId id="315" r:id="rId65"/>
+    <p:sldId id="316" r:id="rId66"/>
+    <p:sldId id="317" r:id="rId67"/>
+    <p:sldId id="318" r:id="rId68"/>
+    <p:sldId id="319" r:id="rId69"/>
+    <p:sldId id="320" r:id="rId70"/>
+    <p:sldId id="321" r:id="rId71"/>
+    <p:sldId id="322" r:id="rId72"/>
+    <p:sldId id="323" r:id="rId73"/>
+    <p:sldId id="344" r:id="rId74"/>
+    <p:sldId id="324" r:id="rId75"/>
+    <p:sldId id="325" r:id="rId76"/>
+    <p:sldId id="326" r:id="rId77"/>
+    <p:sldId id="327" r:id="rId78"/>
+    <p:sldId id="328" r:id="rId79"/>
+    <p:sldId id="329" r:id="rId80"/>
+    <p:sldId id="330" r:id="rId81"/>
+    <p:sldId id="331" r:id="rId82"/>
+    <p:sldId id="332" r:id="rId83"/>
+    <p:sldId id="333" r:id="rId84"/>
+    <p:sldId id="334" r:id="rId85"/>
+    <p:sldId id="335" r:id="rId86"/>
+    <p:sldId id="336" r:id="rId87"/>
+    <p:sldId id="337" r:id="rId88"/>
+    <p:sldId id="338" r:id="rId89"/>
   </p:sldIdLst>
   <p:sldSz cx="9372600" cy="8297545"/>
   <p:notesSz cx="7315200" cy="9601200"/>
@@ -3155,7 +3158,7 @@
         </p:blipFill>
         <p:spPr>
           <a:xfrm>
-            <a:off x="704088" y="2670048"/>
+            <a:off x="704723" y="3667633"/>
             <a:ext cx="4064000" cy="1181100"/>
           </a:xfrm>
           <a:prstGeom prst="rect">
@@ -4022,7 +4025,7 @@
               <a:rPr>
                 <a:latin typeface="Courier New" panose="02070309020205020404"/>
               </a:rPr>
-              <a:t> code/terraform/00-preface/hello-world</a:t>
+              <a:t>terraform-up-and-running-code/labs/lab01-1.md</a:t>
             </a:r>
             <a:endParaRPr>
               <a:latin typeface="Courier New" panose="02070309020205020404"/>
@@ -4031,12 +4034,12 @@
           <a:p>
             <a:r>
               <a:rPr>
-                <a:hlinkClick r:id="rId1"/>
-              </a:rPr>
-              <a:t> Here</a:t>
+                <a:hlinkClick r:id="rId1" tooltip="" action="ppaction://hlinkfile"/>
+              </a:rPr>
+              <a:t>Here</a:t>
             </a:r>
             <a:endParaRPr>
-              <a:hlinkClick r:id="rId1"/>
+              <a:hlinkClick r:id="rId1" tooltip="" action="ppaction://hlinkfile"/>
             </a:endParaRPr>
           </a:p>
         </p:txBody>
@@ -4456,8 +4459,13 @@
           <a:lstStyle/>
           <a:p>
             <a:r>
-              <a:t>Deploy a Single Web Server</a:t>
-            </a:r>
+              <a:t>Lab: Terraform Hello World</a:t>
+            </a:r>
+            <a:r>
+              <a:rPr lang=""/>
+              <a:t> - 2</a:t>
+            </a:r>
+            <a:endParaRPr lang=""/>
           </a:p>
         </p:txBody>
       </p:sp>
@@ -4475,17 +4483,33 @@
         <p:txBody>
           <a:bodyPr/>
           <a:lstStyle/>
-          <a:p/>
-          <a:p/>
-          <a:p/>
-          <a:p/>
-          <a:p/>
-          <a:p/>
-          <a:p/>
-          <a:p/>
-          <a:p/>
-          <a:p/>
-          <a:p/>
+          <a:p>
+            <a:r>
+              <a:t> Please do this lab</a:t>
+            </a:r>
+          </a:p>
+          <a:p>
+            <a:r>
+              <a:rPr>
+                <a:latin typeface="Courier New" panose="02070309020205020404"/>
+              </a:rPr>
+              <a:t>terraform-up-and-running-code/labs/lab01-2.md</a:t>
+            </a:r>
+            <a:endParaRPr>
+              <a:latin typeface="Courier New" panose="02070309020205020404"/>
+            </a:endParaRPr>
+          </a:p>
+          <a:p>
+            <a:r>
+              <a:rPr>
+                <a:hlinkClick r:id="rId1" action="ppaction://hlinkfile"/>
+              </a:rPr>
+              <a:t>Here</a:t>
+            </a:r>
+            <a:endParaRPr>
+              <a:hlinkClick r:id="rId1" action="ppaction://hlinkfile"/>
+            </a:endParaRPr>
+          </a:p>
         </p:txBody>
       </p:sp>
       <p:sp>
@@ -4526,30 +4550,6 @@
           </a:p>
         </p:txBody>
       </p:sp>
-      <p:pic>
-        <p:nvPicPr>
-          <p:cNvPr id="5" name="Picture 4" descr="deploy-web-server.png"/>
-          <p:cNvPicPr>
-            <a:picLocks noChangeAspect="true"/>
-          </p:cNvPicPr>
-          <p:nvPr/>
-        </p:nvPicPr>
-        <p:blipFill>
-          <a:blip r:embed="rId1"/>
-          <a:stretch>
-            <a:fillRect/>
-          </a:stretch>
-        </p:blipFill>
-        <p:spPr>
-          <a:xfrm>
-            <a:off x="792480" y="1649730"/>
-            <a:ext cx="8492490" cy="5518785"/>
-          </a:xfrm>
-          <a:prstGeom prst="rect">
-            <a:avLst/>
-          </a:prstGeom>
-        </p:spPr>
-      </p:pic>
     </p:spTree>
   </p:cSld>
   <p:clrMapOvr>
@@ -4584,7 +4584,7 @@
           <a:lstStyle/>
           <a:p>
             <a:r>
-              <a:t>Make a Web Server</a:t>
+              <a:t>Deploy a Single Web Server</a:t>
             </a:r>
           </a:p>
         </p:txBody>
@@ -4603,37 +4603,17 @@
         <p:txBody>
           <a:bodyPr/>
           <a:lstStyle/>
-          <a:p>
-            <a:r>
-              <a:t> In the real world, you would build a real web server such as Flask</a:t>
-            </a:r>
-          </a:p>
-          <a:p>
-            <a:r>
-              <a:t> We will, instead, do a one-command</a:t>
-            </a:r>
-          </a:p>
-          <a:p/>
-          <a:p/>
-          <a:p/>
-          <a:p/>
-          <a:p>
-            <a:r>
-              <a:t> However, how should we put it into our instance?</a:t>
-            </a:r>
-          </a:p>
-          <a:p>
-            <a:r>
-              <a:t> We will add it to the aws_instance, as</a:t>
-            </a:r>
-            <a:r>
-              <a:rPr i="1"/>
-              <a:t> User Data</a:t>
-            </a:r>
-            <a:r>
-              <a:t> configuration</a:t>
-            </a:r>
-          </a:p>
+          <a:p/>
+          <a:p/>
+          <a:p/>
+          <a:p/>
+          <a:p/>
+          <a:p/>
+          <a:p/>
+          <a:p/>
+          <a:p/>
+          <a:p/>
+          <a:p/>
         </p:txBody>
       </p:sp>
       <p:sp>
@@ -4676,7 +4656,7 @@
       </p:sp>
       <p:pic>
         <p:nvPicPr>
-          <p:cNvPr id="5" name="Picture 4" descr="1.png"/>
+          <p:cNvPr id="5" name="Picture 4" descr="deploy-web-server.png"/>
           <p:cNvPicPr>
             <a:picLocks noChangeAspect="true"/>
           </p:cNvPicPr>
@@ -4690,8 +4670,8 @@
         </p:blipFill>
         <p:spPr>
           <a:xfrm>
-            <a:off x="20320" y="2642616"/>
-            <a:ext cx="5588000" cy="1054100"/>
+            <a:off x="792480" y="1649730"/>
+            <a:ext cx="8492490" cy="5518785"/>
           </a:xfrm>
           <a:prstGeom prst="rect">
             <a:avLst/>
@@ -4732,7 +4712,7 @@
           <a:lstStyle/>
           <a:p>
             <a:r>
-              <a:t>Adding a Script to the Instance</a:t>
+              <a:t>Make a Web Server</a:t>
             </a:r>
           </a:p>
         </p:txBody>
@@ -4753,43 +4733,35 @@
           <a:lstStyle/>
           <a:p>
             <a:r>
-              <a:t> You pass a shell script to User Data by setting the user_data argument in your Terraform code as follows:</a:t>
-            </a:r>
-          </a:p>
-          <a:p>
-            <a:r>
-              <a:t> The</a:t>
-            </a:r>
-            <a:r>
-              <a:rPr>
-                <a:latin typeface="Courier New" panose="02070309020205020404"/>
-              </a:rPr>
-              <a:t> &lt;&lt;-EOF</a:t>
-            </a:r>
-            <a:r>
-              <a:t> and</a:t>
-            </a:r>
-            <a:r>
-              <a:rPr>
-                <a:latin typeface="Courier New" panose="02070309020205020404"/>
-              </a:rPr>
-              <a:t> EOF</a:t>
-            </a:r>
-            <a:r>
-              <a:t> are Terraform’s</a:t>
-            </a:r>
-            <a:r>
-              <a:rPr>
-                <a:latin typeface="Courier New" panose="02070309020205020404"/>
-              </a:rPr>
-              <a:t> heredoc</a:t>
-            </a:r>
-            <a:r>
-              <a:t> syntax, which allows you to create multiline strings without having to insert newline characters all over the place</a:t>
-            </a:r>
-          </a:p>
-          <a:p/>
-          <a:p/>
+              <a:t> In the real world, you would build a real web server such as Flask</a:t>
+            </a:r>
+          </a:p>
+          <a:p>
+            <a:r>
+              <a:t> We will, instead, do a one-command</a:t>
+            </a:r>
+          </a:p>
+          <a:p/>
+          <a:p/>
+          <a:p/>
+          <a:p/>
+          <a:p>
+            <a:r>
+              <a:t> However, how should we put it into our instance?</a:t>
+            </a:r>
+          </a:p>
+          <a:p>
+            <a:r>
+              <a:t> We will add it to the aws_instance, as</a:t>
+            </a:r>
+            <a:r>
+              <a:rPr i="1"/>
+              <a:t> User Data</a:t>
+            </a:r>
+            <a:r>
+              <a:t> configuration</a:t>
+            </a:r>
+          </a:p>
         </p:txBody>
       </p:sp>
       <p:sp>
@@ -4846,8 +4818,8 @@
         </p:blipFill>
         <p:spPr>
           <a:xfrm>
-            <a:off x="0" y="3108960"/>
-            <a:ext cx="7721600" cy="1587500"/>
+            <a:off x="20320" y="2642616"/>
+            <a:ext cx="5588000" cy="1054100"/>
           </a:xfrm>
           <a:prstGeom prst="rect">
             <a:avLst/>
@@ -4888,7 +4860,7 @@
           <a:lstStyle/>
           <a:p>
             <a:r>
-              <a:t>Wait! One More Thing!</a:t>
+              <a:t>Adding a Script to the Instance</a:t>
             </a:r>
           </a:p>
         </p:txBody>
@@ -4909,30 +4881,41 @@
           <a:lstStyle/>
           <a:p>
             <a:r>
-              <a:t> By default, AWS does not allow any incoming or outgoing traffic from an EC2 Instance.</a:t>
-            </a:r>
-          </a:p>
-          <a:p>
-            <a:r>
-              <a:t> To allow the EC2 Instance to receive traffic on port 8080, you need to create a security group:</a:t>
-            </a:r>
-          </a:p>
-          <a:p>
-            <a:r>
-              <a:t> Creates a new resource called</a:t>
+              <a:t> You pass a shell script to User Data by setting the user_data argument in your Terraform code as follows:</a:t>
+            </a:r>
+          </a:p>
+          <a:p>
+            <a:r>
+              <a:t> The</a:t>
             </a:r>
             <a:r>
               <a:rPr>
                 <a:latin typeface="Courier New" panose="02070309020205020404"/>
               </a:rPr>
-              <a:t> aws_security_group</a:t>
-            </a:r>
-            <a:endParaRPr>
-              <a:latin typeface="Courier New" panose="02070309020205020404"/>
-            </a:endParaRPr>
-          </a:p>
-          <a:p/>
-          <a:p/>
+              <a:t> &lt;&lt;-EOF</a:t>
+            </a:r>
+            <a:r>
+              <a:t> and</a:t>
+            </a:r>
+            <a:r>
+              <a:rPr>
+                <a:latin typeface="Courier New" panose="02070309020205020404"/>
+              </a:rPr>
+              <a:t> EOF</a:t>
+            </a:r>
+            <a:r>
+              <a:t> are Terraform’s</a:t>
+            </a:r>
+            <a:r>
+              <a:rPr>
+                <a:latin typeface="Courier New" panose="02070309020205020404"/>
+              </a:rPr>
+              <a:t> heredoc</a:t>
+            </a:r>
+            <a:r>
+              <a:t> syntax, which allows you to create multiline strings without having to insert newline characters all over the place</a:t>
+            </a:r>
+          </a:p>
           <a:p/>
           <a:p/>
         </p:txBody>
@@ -4992,7 +4975,7 @@
         <p:spPr>
           <a:xfrm>
             <a:off x="0" y="3108960"/>
-            <a:ext cx="7112000" cy="2921000"/>
+            <a:ext cx="7721600" cy="1587500"/>
           </a:xfrm>
           <a:prstGeom prst="rect">
             <a:avLst/>
@@ -5033,8 +5016,13 @@
           <a:lstStyle/>
           <a:p>
             <a:r>
-              <a:t>CIDR Blocks</a:t>
-            </a:r>
+              <a:t>Lab: </a:t>
+            </a:r>
+            <a:r>
+              <a:rPr lang=""/>
+              <a:t>Make a web server</a:t>
+            </a:r>
+            <a:endParaRPr lang=""/>
           </a:p>
         </p:txBody>
       </p:sp>
@@ -5054,50 +5042,35 @@
           <a:lstStyle/>
           <a:p>
             <a:r>
-              <a:t> The</a:t>
-            </a:r>
+              <a:t> Please do this lab</a:t>
+            </a:r>
+          </a:p>
+          <a:p>
             <a:r>
               <a:rPr>
                 <a:latin typeface="Courier New" panose="02070309020205020404"/>
               </a:rPr>
-              <a:t> ingress</a:t>
-            </a:r>
-            <a:r>
-              <a:t> in this group allows incoming TCP requests</a:t>
-            </a:r>
-          </a:p>
-          <a:p>
-            <a:pPr lvl="1"/>
-            <a:r>
-              <a:t> on port 8080 from the CIDR block 0.0.0.0/0</a:t>
-            </a:r>
-          </a:p>
-          <a:p>
-            <a:r>
-              <a:t> CIDR blocks are a concise way to specify IP address ranges</a:t>
-            </a:r>
-          </a:p>
-          <a:p>
-            <a:r>
-              <a:t> For example</a:t>
-            </a:r>
-          </a:p>
-          <a:p>
-            <a:pPr lvl="1"/>
-            <a:r>
-              <a:t> a CIDR block of 10.0.0.0/24</a:t>
-            </a:r>
-          </a:p>
-          <a:p>
-            <a:pPr lvl="1"/>
-            <a:r>
-              <a:t> represents all IP addresses between 10.0.0.0 and 10.0.0.255</a:t>
-            </a:r>
-          </a:p>
-          <a:p>
-            <a:r>
-              <a:t> The CIDR block 0.0.0.0/0 is an IP address range that includes all possible IP addresses, so this security group allows incoming requests on port 8080 from any IP</a:t>
-            </a:r>
+              <a:t>terraform-up-and-running-code/labs/lab02-1.md</a:t>
+            </a:r>
+            <a:endParaRPr>
+              <a:latin typeface="Courier New" panose="02070309020205020404"/>
+            </a:endParaRPr>
+          </a:p>
+          <a:p>
+            <a:r>
+              <a:rPr>
+                <a:hlinkClick r:id="rId1" action="ppaction://hlinkfile"/>
+              </a:rPr>
+              <a:t>https://github.com/elephantscale/terraform-up-and-running-code/blob/master/labs/lab02-1.md</a:t>
+            </a:r>
+            <a:endParaRPr>
+              <a:hlinkClick r:id="rId1" action="ppaction://hlinkfile"/>
+            </a:endParaRPr>
+          </a:p>
+          <a:p>
+            <a:endParaRPr>
+              <a:hlinkClick r:id="rId1" action="ppaction://hlinkfile"/>
+            </a:endParaRPr>
           </a:p>
         </p:txBody>
       </p:sp>
@@ -5173,7 +5146,7 @@
           <a:lstStyle/>
           <a:p>
             <a:r>
-              <a:t>Passing the Security Group ID</a:t>
+              <a:t>Wait! One More Thing!</a:t>
             </a:r>
           </a:p>
         </p:txBody>
@@ -5194,37 +5167,32 @@
           <a:lstStyle/>
           <a:p>
             <a:r>
-              <a:t> You also need to tell the EC2 instance to actually use the security group by passing the group's ID</a:t>
-            </a:r>
-          </a:p>
-          <a:p>
-            <a:r>
-              <a:t> It goes into the</a:t>
+              <a:t> By default, AWS does not allow any incoming or outgoing traffic from an EC2 Instance.</a:t>
+            </a:r>
+          </a:p>
+          <a:p>
+            <a:r>
+              <a:t> To allow the EC2 Instance to receive traffic on port 8080, you need to create a security group:</a:t>
+            </a:r>
+          </a:p>
+          <a:p>
+            <a:r>
+              <a:t> Creates a new resource called</a:t>
             </a:r>
             <a:r>
               <a:rPr>
                 <a:latin typeface="Courier New" panose="02070309020205020404"/>
               </a:rPr>
-              <a:t> vpc_security_group_ids</a:t>
-            </a:r>
-            <a:r>
-              <a:t> argument of the</a:t>
-            </a:r>
-            <a:r>
-              <a:rPr>
-                <a:latin typeface="Courier New" panose="02070309020205020404"/>
-              </a:rPr>
-              <a:t> aws_instance resource</a:t>
-            </a:r>
-            <a:r>
-              <a:t> .</a:t>
-            </a:r>
-          </a:p>
-          <a:p>
-            <a:r>
-              <a:t> This is done with Terraform expressions</a:t>
-            </a:r>
-          </a:p>
+              <a:t> aws_security_group</a:t>
+            </a:r>
+            <a:endParaRPr>
+              <a:latin typeface="Courier New" panose="02070309020205020404"/>
+            </a:endParaRPr>
+          </a:p>
+          <a:p/>
+          <a:p/>
+          <a:p/>
+          <a:p/>
         </p:txBody>
       </p:sp>
       <p:sp>
@@ -5265,6 +5233,30 @@
           </a:p>
         </p:txBody>
       </p:sp>
+      <p:pic>
+        <p:nvPicPr>
+          <p:cNvPr id="5" name="Picture 4" descr="1.png"/>
+          <p:cNvPicPr>
+            <a:picLocks noChangeAspect="true"/>
+          </p:cNvPicPr>
+          <p:nvPr/>
+        </p:nvPicPr>
+        <p:blipFill>
+          <a:blip r:embed="rId1"/>
+          <a:stretch>
+            <a:fillRect/>
+          </a:stretch>
+        </p:blipFill>
+        <p:spPr>
+          <a:xfrm>
+            <a:off x="0" y="3108960"/>
+            <a:ext cx="7112000" cy="2921000"/>
+          </a:xfrm>
+          <a:prstGeom prst="rect">
+            <a:avLst/>
+          </a:prstGeom>
+        </p:spPr>
+      </p:pic>
     </p:spTree>
   </p:cSld>
   <p:clrMapOvr>
@@ -5299,7 +5291,7 @@
           <a:lstStyle/>
           <a:p>
             <a:r>
-              <a:t>Terraform "expressions"</a:t>
+              <a:t>CIDR Blocks</a:t>
             </a:r>
           </a:p>
         </p:txBody>
@@ -5320,33 +5312,51 @@
           <a:lstStyle/>
           <a:p>
             <a:r>
-              <a:t> An expression in Terraform is anything that returns a value</a:t>
-            </a:r>
-          </a:p>
-          <a:p>
-            <a:r>
-              <a:t> The simplest type of expressions are literals</a:t>
+              <a:t> The</a:t>
+            </a:r>
+            <a:r>
+              <a:rPr>
+                <a:latin typeface="Courier New" panose="02070309020205020404"/>
+              </a:rPr>
+              <a:t> ingress</a:t>
+            </a:r>
+            <a:r>
+              <a:t> in this group allows incoming TCP requests</a:t>
             </a:r>
           </a:p>
           <a:p>
             <a:pPr lvl="1"/>
             <a:r>
-              <a:t> strings: "ami-0c55b159cbfafe1f0"</a:t>
+              <a:t> on port 8080 from the CIDR block 0.0.0.0/0</a:t>
+            </a:r>
+          </a:p>
+          <a:p>
+            <a:r>
+              <a:t> CIDR blocks are a concise way to specify IP address ranges</a:t>
+            </a:r>
+          </a:p>
+          <a:p>
+            <a:r>
+              <a:t> For example</a:t>
             </a:r>
           </a:p>
           <a:p>
             <a:pPr lvl="1"/>
             <a:r>
-              <a:t> numbers: 7</a:t>
-            </a:r>
-          </a:p>
-          <a:p>
-            <a:r>
-              <a:t> Here we need an expression which is a reference</a:t>
-            </a:r>
-          </a:p>
-          <a:p/>
-          <a:p/>
+              <a:t> a CIDR block of 10.0.0.0/24</a:t>
+            </a:r>
+          </a:p>
+          <a:p>
+            <a:pPr lvl="1"/>
+            <a:r>
+              <a:t> represents all IP addresses between 10.0.0.0 and 10.0.0.255</a:t>
+            </a:r>
+          </a:p>
+          <a:p>
+            <a:r>
+              <a:t> The CIDR block 0.0.0.0/0 is an IP address range that includes all possible IP addresses, so this security group allows incoming requests on port 8080 from any IP</a:t>
+            </a:r>
+          </a:p>
         </p:txBody>
       </p:sp>
       <p:sp>
@@ -5387,30 +5397,6 @@
           </a:p>
         </p:txBody>
       </p:sp>
-      <p:pic>
-        <p:nvPicPr>
-          <p:cNvPr id="5" name="Picture 4" descr="1.png"/>
-          <p:cNvPicPr>
-            <a:picLocks noChangeAspect="true"/>
-          </p:cNvPicPr>
-          <p:nvPr/>
-        </p:nvPicPr>
-        <p:blipFill>
-          <a:blip r:embed="rId1"/>
-          <a:stretch>
-            <a:fillRect/>
-          </a:stretch>
-        </p:blipFill>
-        <p:spPr>
-          <a:xfrm>
-            <a:off x="0" y="3547872"/>
-            <a:ext cx="6197600" cy="1587500"/>
-          </a:xfrm>
-          <a:prstGeom prst="rect">
-            <a:avLst/>
-          </a:prstGeom>
-        </p:spPr>
-      </p:pic>
     </p:spTree>
   </p:cSld>
   <p:clrMapOvr>
@@ -5445,7 +5431,7 @@
           <a:lstStyle/>
           <a:p>
             <a:r>
-              <a:t>Altogether</a:t>
+              <a:t>Passing the Security Group ID</a:t>
             </a:r>
           </a:p>
         </p:txBody>
@@ -5464,14 +5450,39 @@
         <p:txBody>
           <a:bodyPr/>
           <a:lstStyle/>
-          <a:p/>
-          <a:p/>
-          <a:p/>
-          <a:p/>
-          <a:p/>
-          <a:p/>
-          <a:p/>
-          <a:p/>
+          <a:p>
+            <a:r>
+              <a:t> You also need to tell the EC2 instance to actually use the security group by passing the group's ID</a:t>
+            </a:r>
+          </a:p>
+          <a:p>
+            <a:r>
+              <a:t> It goes into the</a:t>
+            </a:r>
+            <a:r>
+              <a:rPr>
+                <a:latin typeface="Courier New" panose="02070309020205020404"/>
+              </a:rPr>
+              <a:t> vpc_security_group_ids</a:t>
+            </a:r>
+            <a:r>
+              <a:t> argument of the</a:t>
+            </a:r>
+            <a:r>
+              <a:rPr>
+                <a:latin typeface="Courier New" panose="02070309020205020404"/>
+              </a:rPr>
+              <a:t> aws_instance resource</a:t>
+            </a:r>
+            <a:r>
+              <a:t> .</a:t>
+            </a:r>
+          </a:p>
+          <a:p>
+            <a:r>
+              <a:t> This is done with Terraform expressions</a:t>
+            </a:r>
+          </a:p>
         </p:txBody>
       </p:sp>
       <p:sp>
@@ -5512,30 +5523,6 @@
           </a:p>
         </p:txBody>
       </p:sp>
-      <p:pic>
-        <p:nvPicPr>
-          <p:cNvPr id="5" name="Picture 4" descr="terraform-example-01.png"/>
-          <p:cNvPicPr>
-            <a:picLocks noChangeAspect="true"/>
-          </p:cNvPicPr>
-          <p:nvPr/>
-        </p:nvPicPr>
-        <p:blipFill>
-          <a:blip r:embed="rId1"/>
-          <a:stretch>
-            <a:fillRect/>
-          </a:stretch>
-        </p:blipFill>
-        <p:spPr>
-          <a:xfrm>
-            <a:off x="704088" y="914400"/>
-            <a:ext cx="6235700" cy="4356100"/>
-          </a:xfrm>
-          <a:prstGeom prst="rect">
-            <a:avLst/>
-          </a:prstGeom>
-        </p:spPr>
-      </p:pic>
     </p:spTree>
   </p:cSld>
   <p:clrMapOvr>
@@ -5570,7 +5557,7 @@
           <a:lstStyle/>
           <a:p>
             <a:r>
-              <a:t>New Result of "terraform plan"</a:t>
+              <a:t>Terraform "expressions"</a:t>
             </a:r>
           </a:p>
         </p:txBody>
@@ -5589,8 +5576,33 @@
         <p:txBody>
           <a:bodyPr/>
           <a:lstStyle/>
-          <a:p/>
-          <a:p/>
+          <a:p>
+            <a:r>
+              <a:t> An expression in Terraform is anything that returns a value</a:t>
+            </a:r>
+          </a:p>
+          <a:p>
+            <a:r>
+              <a:t> The simplest type of expressions are literals</a:t>
+            </a:r>
+          </a:p>
+          <a:p>
+            <a:pPr lvl="1"/>
+            <a:r>
+              <a:t> strings: "ami-0c55b159cbfafe1f0"</a:t>
+            </a:r>
+          </a:p>
+          <a:p>
+            <a:pPr lvl="1"/>
+            <a:r>
+              <a:t> numbers: 7</a:t>
+            </a:r>
+          </a:p>
+          <a:p>
+            <a:r>
+              <a:t> Here we need an expression which is a reference</a:t>
+            </a:r>
+          </a:p>
           <a:p/>
           <a:p/>
         </p:txBody>
@@ -5649,8 +5661,8 @@
         </p:blipFill>
         <p:spPr>
           <a:xfrm>
-            <a:off x="0" y="1569720"/>
-            <a:ext cx="9062085" cy="2265680"/>
+            <a:off x="0" y="3547872"/>
+            <a:ext cx="6197600" cy="1587500"/>
           </a:xfrm>
           <a:prstGeom prst="rect">
             <a:avLst/>
@@ -5691,7 +5703,7 @@
           <a:lstStyle/>
           <a:p>
             <a:r>
-              <a:t>New Result of "terraform apply"</a:t>
+              <a:t>Altogether</a:t>
             </a:r>
           </a:p>
         </p:txBody>
@@ -5710,7 +5722,6 @@
         <p:txBody>
           <a:bodyPr/>
           <a:lstStyle/>
-          <a:p/>
           <a:p/>
           <a:p/>
           <a:p/>
@@ -5761,7 +5772,7 @@
       </p:sp>
       <p:pic>
         <p:nvPicPr>
-          <p:cNvPr id="5" name="Picture 4" descr="terraform-apply-02.png"/>
+          <p:cNvPr id="5" name="Picture 4" descr="terraform-example-01.png"/>
           <p:cNvPicPr>
             <a:picLocks noChangeAspect="true"/>
           </p:cNvPicPr>
@@ -5775,8 +5786,8 @@
         </p:blipFill>
         <p:spPr>
           <a:xfrm>
-            <a:off x="704215" y="1440815"/>
-            <a:ext cx="8413115" cy="4439285"/>
+            <a:off x="704088" y="914400"/>
+            <a:ext cx="6235700" cy="4356100"/>
           </a:xfrm>
           <a:prstGeom prst="rect">
             <a:avLst/>
@@ -5949,7 +5960,7 @@
           <a:lstStyle/>
           <a:p>
             <a:r>
-              <a:t>Et Voila!</a:t>
+              <a:t>New Result of "terraform plan"</a:t>
             </a:r>
           </a:p>
         </p:txBody>
@@ -5968,7 +5979,6 @@
         <p:txBody>
           <a:bodyPr/>
           <a:lstStyle/>
-          <a:p/>
           <a:p/>
           <a:p/>
           <a:p/>
@@ -6015,7 +6025,7 @@
       </p:sp>
       <p:pic>
         <p:nvPicPr>
-          <p:cNvPr id="5" name="Picture 4" descr="terraform-apply-03.png"/>
+          <p:cNvPr id="5" name="Picture 4" descr="1.png"/>
           <p:cNvPicPr>
             <a:picLocks noChangeAspect="true"/>
           </p:cNvPicPr>
@@ -6029,8 +6039,8 @@
         </p:blipFill>
         <p:spPr>
           <a:xfrm>
-            <a:off x="704215" y="1179830"/>
-            <a:ext cx="8498840" cy="2579370"/>
+            <a:off x="0" y="1569720"/>
+            <a:ext cx="9062085" cy="2265680"/>
           </a:xfrm>
           <a:prstGeom prst="rect">
             <a:avLst/>
@@ -6071,7 +6081,7 @@
           <a:lstStyle/>
           <a:p>
             <a:r>
-              <a:t>Test the Deployment</a:t>
+              <a:t>New Result of "terraform apply"</a:t>
             </a:r>
           </a:p>
         </p:txBody>
@@ -6090,6 +6100,10 @@
         <p:txBody>
           <a:bodyPr/>
           <a:lstStyle/>
+          <a:p/>
+          <a:p/>
+          <a:p/>
+          <a:p/>
           <a:p/>
           <a:p/>
           <a:p/>
@@ -6137,7 +6151,7 @@
       </p:sp>
       <p:pic>
         <p:nvPicPr>
-          <p:cNvPr id="5" name="Picture 4" descr="1.png"/>
+          <p:cNvPr id="5" name="Picture 4" descr="terraform-apply-02.png"/>
           <p:cNvPicPr>
             <a:picLocks noChangeAspect="true"/>
           </p:cNvPicPr>
@@ -6151,56 +6165,8 @@
         </p:blipFill>
         <p:spPr>
           <a:xfrm>
-            <a:off x="0" y="914400"/>
-            <a:ext cx="7264400" cy="787400"/>
-          </a:xfrm>
-          <a:prstGeom prst="rect">
-            <a:avLst/>
-          </a:prstGeom>
-        </p:spPr>
-      </p:pic>
-      <p:pic>
-        <p:nvPicPr>
-          <p:cNvPr id="6" name="Picture 5" descr="1.png"/>
-          <p:cNvPicPr>
-            <a:picLocks noChangeAspect="true"/>
-          </p:cNvPicPr>
-          <p:nvPr/>
-        </p:nvPicPr>
-        <p:blipFill>
-          <a:blip r:embed="rId2"/>
-          <a:stretch>
-            <a:fillRect/>
-          </a:stretch>
-        </p:blipFill>
-        <p:spPr>
-          <a:xfrm>
-            <a:off x="0" y="1353312"/>
-            <a:ext cx="5283200" cy="787400"/>
-          </a:xfrm>
-          <a:prstGeom prst="rect">
-            <a:avLst/>
-          </a:prstGeom>
-        </p:spPr>
-      </p:pic>
-      <p:pic>
-        <p:nvPicPr>
-          <p:cNvPr id="7" name="Picture 6" descr="terraform-result-00.png"/>
-          <p:cNvPicPr>
-            <a:picLocks noChangeAspect="true"/>
-          </p:cNvPicPr>
-          <p:nvPr/>
-        </p:nvPicPr>
-        <p:blipFill>
-          <a:blip r:embed="rId3"/>
-          <a:stretch>
-            <a:fillRect/>
-          </a:stretch>
-        </p:blipFill>
-        <p:spPr>
-          <a:xfrm>
-            <a:off x="704088" y="3160014"/>
-            <a:ext cx="4343400" cy="1397000"/>
+            <a:off x="704215" y="1440815"/>
+            <a:ext cx="8413115" cy="4439285"/>
           </a:xfrm>
           <a:prstGeom prst="rect">
             <a:avLst/>
@@ -6241,7 +6207,7 @@
           <a:lstStyle/>
           <a:p>
             <a:r>
-              <a:t>Quiz</a:t>
+              <a:t>Et Voila!</a:t>
             </a:r>
           </a:p>
         </p:txBody>
@@ -6260,23 +6226,11 @@
         <p:txBody>
           <a:bodyPr/>
           <a:lstStyle/>
-          <a:p>
-            <a:r>
-              <a:t> Usernames and passwords referenced in the Terraform code, even as variables, will end up in plain text in the state file.</a:t>
-            </a:r>
-          </a:p>
-          <a:p>
-            <a:pPr lvl="1"/>
-            <a:r>
-              <a:t> A. True</a:t>
-            </a:r>
-          </a:p>
-          <a:p>
-            <a:pPr lvl="1"/>
-            <a:r>
-              <a:t> B. False </a:t>
-            </a:r>
-          </a:p>
+          <a:p/>
+          <a:p/>
+          <a:p/>
+          <a:p/>
+          <a:p/>
         </p:txBody>
       </p:sp>
       <p:sp>
@@ -6317,6 +6271,30 @@
           </a:p>
         </p:txBody>
       </p:sp>
+      <p:pic>
+        <p:nvPicPr>
+          <p:cNvPr id="5" name="Picture 4" descr="terraform-apply-03.png"/>
+          <p:cNvPicPr>
+            <a:picLocks noChangeAspect="true"/>
+          </p:cNvPicPr>
+          <p:nvPr/>
+        </p:nvPicPr>
+        <p:blipFill>
+          <a:blip r:embed="rId1"/>
+          <a:stretch>
+            <a:fillRect/>
+          </a:stretch>
+        </p:blipFill>
+        <p:spPr>
+          <a:xfrm>
+            <a:off x="704215" y="1179830"/>
+            <a:ext cx="8498840" cy="2579370"/>
+          </a:xfrm>
+          <a:prstGeom prst="rect">
+            <a:avLst/>
+          </a:prstGeom>
+        </p:spPr>
+      </p:pic>
     </p:spTree>
   </p:cSld>
   <p:clrMapOvr>
@@ -6351,7 +6329,7 @@
           <a:lstStyle/>
           <a:p>
             <a:r>
-              <a:t>Quiz</a:t>
+              <a:t>Test the Deployment</a:t>
             </a:r>
           </a:p>
         </p:txBody>
@@ -6370,93 +6348,11 @@
         <p:txBody>
           <a:bodyPr/>
           <a:lstStyle/>
-          <a:p>
-            <a:r>
-              <a:t> What happens when you apply Terraform configuration? Choose</a:t>
-            </a:r>
-            <a:r>
-              <a:rPr i="1"/>
-              <a:t> TWO</a:t>
-            </a:r>
-            <a:r>
-              <a:t> correct answers.</a:t>
-            </a:r>
-          </a:p>
-          <a:p>
-            <a:pPr lvl="1"/>
-            <a:r>
-              <a:t> A.</a:t>
-            </a:r>
-            <a:r>
-              <a:rPr>
-                <a:latin typeface="Courier New" panose="02070309020205020404"/>
-              </a:rPr>
-              <a:t> terraform plan</a:t>
-            </a:r>
-            <a:endParaRPr>
-              <a:latin typeface="Courier New" panose="02070309020205020404"/>
-            </a:endParaRPr>
-          </a:p>
-          <a:p>
-            <a:pPr lvl="1"/>
-            <a:r>
-              <a:t> B.</a:t>
-            </a:r>
-            <a:r>
-              <a:rPr>
-                <a:latin typeface="Courier New" panose="02070309020205020404"/>
-              </a:rPr>
-              <a:t> terraform state</a:t>
-            </a:r>
-            <a:endParaRPr>
-              <a:latin typeface="Courier New" panose="02070309020205020404"/>
-            </a:endParaRPr>
-          </a:p>
-          <a:p>
-            <a:pPr lvl="1"/>
-            <a:r>
-              <a:t> C.</a:t>
-            </a:r>
-            <a:r>
-              <a:rPr>
-                <a:latin typeface="Courier New" panose="02070309020205020404"/>
-              </a:rPr>
-              <a:t> terraform apply</a:t>
-            </a:r>
-            <a:endParaRPr>
-              <a:latin typeface="Courier New" panose="02070309020205020404"/>
-            </a:endParaRPr>
-          </a:p>
-          <a:p>
-            <a:pPr lvl="1"/>
-            <a:r>
-              <a:t> D.</a:t>
-            </a:r>
-            <a:r>
-              <a:rPr>
-                <a:latin typeface="Courier New" panose="02070309020205020404"/>
-              </a:rPr>
-              <a:t> terraform validate</a:t>
-            </a:r>
-            <a:endParaRPr>
-              <a:latin typeface="Courier New" panose="02070309020205020404"/>
-            </a:endParaRPr>
-          </a:p>
-          <a:p>
-            <a:pPr lvl="1"/>
-            <a:r>
-              <a:t> E.</a:t>
-            </a:r>
-            <a:r>
-              <a:rPr>
-                <a:latin typeface="Courier New" panose="02070309020205020404"/>
-              </a:rPr>
-              <a:t> terraform output</a:t>
-            </a:r>
-            <a:endParaRPr>
-              <a:latin typeface="Courier New" panose="02070309020205020404"/>
-            </a:endParaRPr>
-          </a:p>
+          <a:p/>
+          <a:p/>
+          <a:p/>
+          <a:p/>
+          <a:p/>
         </p:txBody>
       </p:sp>
       <p:sp>
@@ -6497,6 +6393,78 @@
           </a:p>
         </p:txBody>
       </p:sp>
+      <p:pic>
+        <p:nvPicPr>
+          <p:cNvPr id="5" name="Picture 4" descr="1.png"/>
+          <p:cNvPicPr>
+            <a:picLocks noChangeAspect="true"/>
+          </p:cNvPicPr>
+          <p:nvPr/>
+        </p:nvPicPr>
+        <p:blipFill>
+          <a:blip r:embed="rId1"/>
+          <a:stretch>
+            <a:fillRect/>
+          </a:stretch>
+        </p:blipFill>
+        <p:spPr>
+          <a:xfrm>
+            <a:off x="0" y="914400"/>
+            <a:ext cx="7264400" cy="787400"/>
+          </a:xfrm>
+          <a:prstGeom prst="rect">
+            <a:avLst/>
+          </a:prstGeom>
+        </p:spPr>
+      </p:pic>
+      <p:pic>
+        <p:nvPicPr>
+          <p:cNvPr id="6" name="Picture 5" descr="1.png"/>
+          <p:cNvPicPr>
+            <a:picLocks noChangeAspect="true"/>
+          </p:cNvPicPr>
+          <p:nvPr/>
+        </p:nvPicPr>
+        <p:blipFill>
+          <a:blip r:embed="rId2"/>
+          <a:stretch>
+            <a:fillRect/>
+          </a:stretch>
+        </p:blipFill>
+        <p:spPr>
+          <a:xfrm>
+            <a:off x="0" y="1353312"/>
+            <a:ext cx="5283200" cy="787400"/>
+          </a:xfrm>
+          <a:prstGeom prst="rect">
+            <a:avLst/>
+          </a:prstGeom>
+        </p:spPr>
+      </p:pic>
+      <p:pic>
+        <p:nvPicPr>
+          <p:cNvPr id="7" name="Picture 6" descr="terraform-result-00.png"/>
+          <p:cNvPicPr>
+            <a:picLocks noChangeAspect="true"/>
+          </p:cNvPicPr>
+          <p:nvPr/>
+        </p:nvPicPr>
+        <p:blipFill>
+          <a:blip r:embed="rId3"/>
+          <a:stretch>
+            <a:fillRect/>
+          </a:stretch>
+        </p:blipFill>
+        <p:spPr>
+          <a:xfrm>
+            <a:off x="704088" y="3160014"/>
+            <a:ext cx="4343400" cy="1397000"/>
+          </a:xfrm>
+          <a:prstGeom prst="rect">
+            <a:avLst/>
+          </a:prstGeom>
+        </p:spPr>
+      </p:pic>
     </p:spTree>
   </p:cSld>
   <p:clrMapOvr>
@@ -6531,7 +6499,7 @@
           <a:lstStyle/>
           <a:p>
             <a:r>
-              <a:t>Terraform Dependencies</a:t>
+              <a:t>Lab: Server Deployment</a:t>
             </a:r>
           </a:p>
         </p:txBody>
@@ -6552,38 +6520,51 @@
           <a:lstStyle/>
           <a:p>
             <a:r>
-              <a:t> When you add a reference from one resource to another, you create an implicit dependency</a:t>
-            </a:r>
-          </a:p>
-          <a:p>
-            <a:r>
-              <a:t> Terraform</a:t>
-            </a:r>
-          </a:p>
-          <a:p>
-            <a:pPr lvl="1"/>
-            <a:r>
-              <a:t> Parses these dependencies</a:t>
-            </a:r>
-          </a:p>
-          <a:p>
-            <a:pPr lvl="1"/>
-            <a:r>
-              <a:t> builds a dependency graph from them</a:t>
-            </a:r>
-          </a:p>
-          <a:p>
-            <a:pPr lvl="1"/>
-            <a:r>
-              <a:t> uses that to automatically determine in which order it should create resources</a:t>
-            </a:r>
-          </a:p>
-          <a:p>
-            <a:r>
-              <a:t> To see the dependencies, you use the command</a:t>
-            </a:r>
-          </a:p>
-          <a:p/>
+              <a:t> Please do this lab:</a:t>
+            </a:r>
+          </a:p>
+          <a:p>
+            <a:r>
+              <a:rPr>
+                <a:latin typeface="Courier New" panose="02070309020205020404"/>
+              </a:rPr>
+              <a:t>terraform-up-and-running-code/labs/lab02-2.m</a:t>
+            </a:r>
+            <a:r>
+              <a:rPr lang="">
+                <a:latin typeface="Courier New" panose="02070309020205020404"/>
+              </a:rPr>
+              <a:t>d</a:t>
+            </a:r>
+            <a:endParaRPr lang="">
+              <a:latin typeface="Courier New" panose="02070309020205020404"/>
+            </a:endParaRPr>
+          </a:p>
+          <a:p>
+            <a:r>
+              <a:rPr>
+                <a:sym typeface="+mn-ea"/>
+                <a:hlinkClick r:id="rId1" tooltip="" action="ppaction://hlinkfile"/>
+              </a:rPr>
+              <a:t>https://github.com/elephantscale/terraform-up-and-running-code/blob/master/labs/lab02-2.m</a:t>
+            </a:r>
+            <a:r>
+              <a:rPr lang="en-US">
+                <a:sym typeface="+mn-ea"/>
+                <a:hlinkClick r:id="rId1" tooltip="" action="ppaction://hlinkfile"/>
+              </a:rPr>
+              <a:t>d</a:t>
+            </a:r>
+            <a:endParaRPr lang="en-US">
+              <a:sym typeface="+mn-ea"/>
+            </a:endParaRPr>
+          </a:p>
+          <a:p/>
+          <a:p>
+            <a:pPr marL="0" indent="0">
+              <a:buNone/>
+            </a:pPr>
+          </a:p>
         </p:txBody>
       </p:sp>
       <p:sp>
@@ -6624,30 +6605,6 @@
           </a:p>
         </p:txBody>
       </p:sp>
-      <p:pic>
-        <p:nvPicPr>
-          <p:cNvPr id="5" name="Picture 4" descr="1.png"/>
-          <p:cNvPicPr>
-            <a:picLocks noChangeAspect="true"/>
-          </p:cNvPicPr>
-          <p:nvPr/>
-        </p:nvPicPr>
-        <p:blipFill>
-          <a:blip r:embed="rId1"/>
-          <a:stretch>
-            <a:fillRect/>
-          </a:stretch>
-        </p:blipFill>
-        <p:spPr>
-          <a:xfrm>
-            <a:off x="0" y="4425696"/>
-            <a:ext cx="2997200" cy="520700"/>
-          </a:xfrm>
-          <a:prstGeom prst="rect">
-            <a:avLst/>
-          </a:prstGeom>
-        </p:spPr>
-      </p:pic>
     </p:spTree>
   </p:cSld>
   <p:clrMapOvr>
@@ -6682,7 +6639,7 @@
           <a:lstStyle/>
           <a:p>
             <a:r>
-              <a:t>Terraform Graph Output</a:t>
+              <a:t>Quiz</a:t>
             </a:r>
           </a:p>
         </p:txBody>
@@ -6701,11 +6658,23 @@
         <p:txBody>
           <a:bodyPr/>
           <a:lstStyle/>
-          <a:p/>
-          <a:p/>
-          <a:p/>
-          <a:p/>
-          <a:p/>
+          <a:p>
+            <a:r>
+              <a:t> Usernames and passwords referenced in the Terraform code, even as variables, will end up in plain text in the state file.</a:t>
+            </a:r>
+          </a:p>
+          <a:p>
+            <a:pPr lvl="1"/>
+            <a:r>
+              <a:t> A. True</a:t>
+            </a:r>
+          </a:p>
+          <a:p>
+            <a:pPr lvl="1"/>
+            <a:r>
+              <a:t> B. False </a:t>
+            </a:r>
+          </a:p>
         </p:txBody>
       </p:sp>
       <p:sp>
@@ -6746,30 +6715,6 @@
           </a:p>
         </p:txBody>
       </p:sp>
-      <p:pic>
-        <p:nvPicPr>
-          <p:cNvPr id="5" name="Picture 4" descr="graph.dot.png"/>
-          <p:cNvPicPr>
-            <a:picLocks noChangeAspect="true"/>
-          </p:cNvPicPr>
-          <p:nvPr/>
-        </p:nvPicPr>
-        <p:blipFill>
-          <a:blip r:embed="rId1"/>
-          <a:stretch>
-            <a:fillRect/>
-          </a:stretch>
-        </p:blipFill>
-        <p:spPr>
-          <a:xfrm>
-            <a:off x="704088" y="914400"/>
-            <a:ext cx="7823200" cy="2374900"/>
-          </a:xfrm>
-          <a:prstGeom prst="rect">
-            <a:avLst/>
-          </a:prstGeom>
-        </p:spPr>
-      </p:pic>
     </p:spTree>
   </p:cSld>
   <p:clrMapOvr>
@@ -6804,7 +6749,7 @@
           <a:lstStyle/>
           <a:p>
             <a:r>
-              <a:t>Terraform Graph Visual</a:t>
+              <a:t>Quiz</a:t>
             </a:r>
           </a:p>
         </p:txBody>
@@ -6825,29 +6770,91 @@
           <a:lstStyle/>
           <a:p>
             <a:r>
-              <a:t> Use a desktop app such as Graphviz or</a:t>
-            </a:r>
-          </a:p>
-          <a:p>
-            <a:r>
-              <a:t> webapp like</a:t>
+              <a:t> What happens when you apply Terraform configuration? Choose</a:t>
+            </a:r>
+            <a:r>
+              <a:rPr i="1"/>
+              <a:t> TWO</a:t>
+            </a:r>
+            <a:r>
+              <a:t> correct answers.</a:t>
+            </a:r>
+          </a:p>
+          <a:p>
+            <a:pPr lvl="1"/>
+            <a:r>
+              <a:t> A.</a:t>
             </a:r>
             <a:r>
               <a:rPr>
-                <a:hlinkClick r:id="rId1"/>
-              </a:rPr>
-              <a:t> GraphvizOnline</a:t>
-            </a:r>
-          </a:p>
-          <a:p/>
-          <a:p/>
-          <a:p/>
-          <a:p/>
-          <a:p/>
-          <a:p/>
-          <a:p/>
-          <a:p/>
-          <a:p/>
+                <a:latin typeface="Courier New" panose="02070309020205020404"/>
+              </a:rPr>
+              <a:t> terraform plan</a:t>
+            </a:r>
+            <a:endParaRPr>
+              <a:latin typeface="Courier New" panose="02070309020205020404"/>
+            </a:endParaRPr>
+          </a:p>
+          <a:p>
+            <a:pPr lvl="1"/>
+            <a:r>
+              <a:t> B.</a:t>
+            </a:r>
+            <a:r>
+              <a:rPr>
+                <a:latin typeface="Courier New" panose="02070309020205020404"/>
+              </a:rPr>
+              <a:t> terraform state</a:t>
+            </a:r>
+            <a:endParaRPr>
+              <a:latin typeface="Courier New" panose="02070309020205020404"/>
+            </a:endParaRPr>
+          </a:p>
+          <a:p>
+            <a:pPr lvl="1"/>
+            <a:r>
+              <a:t> C.</a:t>
+            </a:r>
+            <a:r>
+              <a:rPr>
+                <a:latin typeface="Courier New" panose="02070309020205020404"/>
+              </a:rPr>
+              <a:t> terraform apply</a:t>
+            </a:r>
+            <a:endParaRPr>
+              <a:latin typeface="Courier New" panose="02070309020205020404"/>
+            </a:endParaRPr>
+          </a:p>
+          <a:p>
+            <a:pPr lvl="1"/>
+            <a:r>
+              <a:t> D.</a:t>
+            </a:r>
+            <a:r>
+              <a:rPr>
+                <a:latin typeface="Courier New" panose="02070309020205020404"/>
+              </a:rPr>
+              <a:t> terraform validate</a:t>
+            </a:r>
+            <a:endParaRPr>
+              <a:latin typeface="Courier New" panose="02070309020205020404"/>
+            </a:endParaRPr>
+          </a:p>
+          <a:p>
+            <a:pPr lvl="1"/>
+            <a:r>
+              <a:t> E.</a:t>
+            </a:r>
+            <a:r>
+              <a:rPr>
+                <a:latin typeface="Courier New" panose="02070309020205020404"/>
+              </a:rPr>
+              <a:t> terraform output</a:t>
+            </a:r>
+            <a:endParaRPr>
+              <a:latin typeface="Courier New" panose="02070309020205020404"/>
+            </a:endParaRPr>
+          </a:p>
         </p:txBody>
       </p:sp>
       <p:sp>
@@ -6888,30 +6895,6 @@
           </a:p>
         </p:txBody>
       </p:sp>
-      <p:pic>
-        <p:nvPicPr>
-          <p:cNvPr id="5" name="Picture 4" descr="graph.png"/>
-          <p:cNvPicPr>
-            <a:picLocks noChangeAspect="true"/>
-          </p:cNvPicPr>
-          <p:nvPr/>
-        </p:nvPicPr>
-        <p:blipFill>
-          <a:blip r:embed="rId2"/>
-          <a:stretch>
-            <a:fillRect/>
-          </a:stretch>
-        </p:blipFill>
-        <p:spPr>
-          <a:xfrm>
-            <a:off x="704088" y="1792224"/>
-            <a:ext cx="7507224" cy="4351895"/>
-          </a:xfrm>
-          <a:prstGeom prst="rect">
-            <a:avLst/>
-          </a:prstGeom>
-        </p:spPr>
-      </p:pic>
     </p:spTree>
   </p:cSld>
   <p:clrMapOvr>
@@ -6946,7 +6929,7 @@
           <a:lstStyle/>
           <a:p>
             <a:r>
-              <a:t>Lab: Server Deployment</a:t>
+              <a:t>Terraform Dependencies</a:t>
             </a:r>
           </a:p>
         </p:txBody>
@@ -6967,33 +6950,38 @@
           <a:lstStyle/>
           <a:p>
             <a:r>
-              <a:t> Please do this lab:</a:t>
-            </a:r>
-          </a:p>
-          <a:p>
-            <a:r>
-              <a:rPr>
-                <a:latin typeface="Courier New" panose="02070309020205020404"/>
-              </a:rPr>
-              <a:t> code/terraform/01-why-terraform/web-server/step1/</a:t>
-            </a:r>
-            <a:endParaRPr>
-              <a:latin typeface="Courier New" panose="02070309020205020404"/>
-            </a:endParaRPr>
-          </a:p>
-          <a:p>
-            <a:r>
-              <a:rPr>
-                <a:hlinkClick r:id="rId1"/>
-              </a:rPr>
-              <a:t> Here</a:t>
-            </a:r>
-          </a:p>
-          <a:p>
-            <a:r>
-              <a:t> In this lab, we practice server deployment</a:t>
-            </a:r>
-          </a:p>
+              <a:t> When you add a reference from one resource to another, you create an implicit dependency</a:t>
+            </a:r>
+          </a:p>
+          <a:p>
+            <a:r>
+              <a:t> Terraform</a:t>
+            </a:r>
+          </a:p>
+          <a:p>
+            <a:pPr lvl="1"/>
+            <a:r>
+              <a:t> Parses these dependencies</a:t>
+            </a:r>
+          </a:p>
+          <a:p>
+            <a:pPr lvl="1"/>
+            <a:r>
+              <a:t> builds a dependency graph from them</a:t>
+            </a:r>
+          </a:p>
+          <a:p>
+            <a:pPr lvl="1"/>
+            <a:r>
+              <a:t> uses that to automatically determine in which order it should create resources</a:t>
+            </a:r>
+          </a:p>
+          <a:p>
+            <a:r>
+              <a:t> To see the dependencies, you use the command</a:t>
+            </a:r>
+          </a:p>
+          <a:p/>
         </p:txBody>
       </p:sp>
       <p:sp>
@@ -7034,6 +7022,30 @@
           </a:p>
         </p:txBody>
       </p:sp>
+      <p:pic>
+        <p:nvPicPr>
+          <p:cNvPr id="5" name="Picture 4" descr="1.png"/>
+          <p:cNvPicPr>
+            <a:picLocks noChangeAspect="true"/>
+          </p:cNvPicPr>
+          <p:nvPr/>
+        </p:nvPicPr>
+        <p:blipFill>
+          <a:blip r:embed="rId1"/>
+          <a:stretch>
+            <a:fillRect/>
+          </a:stretch>
+        </p:blipFill>
+        <p:spPr>
+          <a:xfrm>
+            <a:off x="0" y="4425696"/>
+            <a:ext cx="2997200" cy="520700"/>
+          </a:xfrm>
+          <a:prstGeom prst="rect">
+            <a:avLst/>
+          </a:prstGeom>
+        </p:spPr>
+      </p:pic>
     </p:spTree>
   </p:cSld>
   <p:clrMapOvr>
@@ -7068,7 +7080,7 @@
           <a:lstStyle/>
           <a:p>
             <a:r>
-              <a:t>NETWORK SECURITY</a:t>
+              <a:t>Terraform Graph Output</a:t>
             </a:r>
           </a:p>
         </p:txBody>
@@ -7087,27 +7099,8 @@
         <p:txBody>
           <a:bodyPr/>
           <a:lstStyle/>
-          <a:p>
-            <a:r>
-              <a:t> All our example deploy not only into your Default VPC (as mentioned earlier), but also the default subnets of that VPC</a:t>
-            </a:r>
-          </a:p>
-          <a:p>
-            <a:r>
-              <a:t> Running a server in a public subnet is fine for a quick experiment, but in real-world usage, it’s a security risk</a:t>
-            </a:r>
-          </a:p>
-          <a:p>
-            <a:r>
-              <a:t> For production systems, you should deploy all of your servers, and certainly all of your data stores, in private subnets</a:t>
-            </a:r>
-          </a:p>
-          <a:p>
-            <a:pPr lvl="1"/>
-            <a:r>
-              <a:t> These have IP addresses that can be accessed only from within the VPC and not from the public internet</a:t>
-            </a:r>
-          </a:p>
+          <a:p/>
+          <a:p/>
           <a:p/>
           <a:p/>
           <a:p/>
@@ -7153,7 +7146,7 @@
       </p:sp>
       <p:pic>
         <p:nvPicPr>
-          <p:cNvPr id="5" name="Picture 4" descr="photo-of-guy-fawkes-mask-with-red-flower-on-top-on-hand-38275.jpg"/>
+          <p:cNvPr id="5" name="Picture 4" descr="graph.dot.png"/>
           <p:cNvPicPr>
             <a:picLocks noChangeAspect="true"/>
           </p:cNvPicPr>
@@ -7167,8 +7160,8 @@
         </p:blipFill>
         <p:spPr>
           <a:xfrm>
-            <a:off x="5464810" y="5440680"/>
-            <a:ext cx="3569335" cy="2382520"/>
+            <a:off x="704088" y="914400"/>
+            <a:ext cx="7823200" cy="2374900"/>
           </a:xfrm>
           <a:prstGeom prst="rect">
             <a:avLst/>
@@ -7195,56 +7188,64 @@
       <p:grpSpPr/>
       <p:sp>
         <p:nvSpPr>
-          <p:cNvPr id="2" name="Subtitle 1"/>
-          <p:cNvSpPr>
-            <a:spLocks noGrp="true"/>
-          </p:cNvSpPr>
-          <p:nvPr>
-            <p:ph type="subTitle" sz="quarter" idx="1"/>
-          </p:nvPr>
-        </p:nvSpPr>
-        <p:spPr/>
-        <p:txBody>
-          <a:bodyPr/>
-          <a:lstStyle/>
-          <a:p>
-            <a:pPr>
-              <a:defRPr sz="3200"/>
-            </a:pPr>
-            <a:r>
-              <a:rPr b="1"/>
-              <a:t>Using Variables
-</a:t>
-            </a:r>
-            <a:r>
-              <a:t>Adding Scalability
-</a:t>
-            </a:r>
-          </a:p>
-        </p:txBody>
-      </p:sp>
-      <p:sp>
-        <p:nvSpPr>
-          <p:cNvPr id="3" name="Title 2"/>
-          <p:cNvSpPr>
-            <a:spLocks noGrp="true"/>
-          </p:cNvSpPr>
-          <p:nvPr>
-            <p:ph type="ctrTitle" sz="quarter"/>
-          </p:nvPr>
-        </p:nvSpPr>
-        <p:spPr/>
-        <p:txBody>
-          <a:bodyPr/>
-          <a:lstStyle/>
-          <a:p>
-            <a:pPr>
-              <a:defRPr sz="4200"/>
-            </a:pPr>
-            <a:r>
-              <a:t>Using Variables</a:t>
-            </a:r>
-          </a:p>
+          <p:cNvPr id="2" name="Title 1"/>
+          <p:cNvSpPr>
+            <a:spLocks noGrp="true"/>
+          </p:cNvSpPr>
+          <p:nvPr>
+            <p:ph type="title"/>
+          </p:nvPr>
+        </p:nvSpPr>
+        <p:spPr/>
+        <p:txBody>
+          <a:bodyPr/>
+          <a:lstStyle/>
+          <a:p>
+            <a:r>
+              <a:t>Terraform Graph Visual</a:t>
+            </a:r>
+          </a:p>
+        </p:txBody>
+      </p:sp>
+      <p:sp>
+        <p:nvSpPr>
+          <p:cNvPr id="3" name="Content Placeholder 2"/>
+          <p:cNvSpPr>
+            <a:spLocks noGrp="true"/>
+          </p:cNvSpPr>
+          <p:nvPr>
+            <p:ph idx="1"/>
+          </p:nvPr>
+        </p:nvSpPr>
+        <p:spPr/>
+        <p:txBody>
+          <a:bodyPr/>
+          <a:lstStyle/>
+          <a:p>
+            <a:r>
+              <a:t> Use a desktop app such as Graphviz or</a:t>
+            </a:r>
+          </a:p>
+          <a:p>
+            <a:r>
+              <a:t> webapp like</a:t>
+            </a:r>
+            <a:r>
+              <a:rPr>
+                <a:hlinkClick r:id="rId1"/>
+              </a:rPr>
+              <a:t> GraphvizOnline</a:t>
+            </a:r>
+          </a:p>
+          <a:p/>
+          <a:p/>
+          <a:p/>
+          <a:p/>
+          <a:p/>
+          <a:p/>
+          <a:p/>
+          <a:p/>
+          <a:p/>
         </p:txBody>
       </p:sp>
       <p:sp>
@@ -7285,6 +7286,30 @@
           </a:p>
         </p:txBody>
       </p:sp>
+      <p:pic>
+        <p:nvPicPr>
+          <p:cNvPr id="5" name="Picture 4" descr="graph.png"/>
+          <p:cNvPicPr>
+            <a:picLocks noChangeAspect="true"/>
+          </p:cNvPicPr>
+          <p:nvPr/>
+        </p:nvPicPr>
+        <p:blipFill>
+          <a:blip r:embed="rId2"/>
+          <a:stretch>
+            <a:fillRect/>
+          </a:stretch>
+        </p:blipFill>
+        <p:spPr>
+          <a:xfrm>
+            <a:off x="704088" y="1792224"/>
+            <a:ext cx="7507224" cy="4351895"/>
+          </a:xfrm>
+          <a:prstGeom prst="rect">
+            <a:avLst/>
+          </a:prstGeom>
+        </p:spPr>
+      </p:pic>
     </p:spTree>
   </p:cSld>
   <p:clrMapOvr>
@@ -7479,7 +7504,7 @@
           <a:lstStyle/>
           <a:p>
             <a:r>
-              <a:t>Deploy a Configurable Web Server</a:t>
+              <a:t>NETWORK SECURITY</a:t>
             </a:r>
           </a:p>
         </p:txBody>
@@ -7500,42 +7525,25 @@
           <a:lstStyle/>
           <a:p>
             <a:r>
-              <a:t> Don’t Repeat Yourself (DRY) principle</a:t>
-            </a:r>
-          </a:p>
-          <a:p>
-            <a:r>
-              <a:t> However, we violated it</a:t>
+              <a:t> All our example deploy not only into your Default VPC (as mentioned earlier), but also the default subnets of that VPC</a:t>
+            </a:r>
+          </a:p>
+          <a:p>
+            <a:r>
+              <a:t> Running a server in a public subnet is fine for a quick experiment, but in real-world usage, it’s a security risk</a:t>
+            </a:r>
+          </a:p>
+          <a:p>
+            <a:r>
+              <a:t> For production systems, you should deploy all of your servers, and certainly all of your data stores, in private subnets</a:t>
             </a:r>
           </a:p>
           <a:p>
             <a:pPr lvl="1"/>
             <a:r>
-              <a:t> the web server port 8080 is duplicated in both the security group and the</a:t>
-            </a:r>
-            <a:r>
-              <a:rPr>
-                <a:latin typeface="Courier New" panose="02070309020205020404"/>
-              </a:rPr>
-              <a:t> User Data</a:t>
-            </a:r>
-            <a:r>
-              <a:t> configuration</a:t>
-            </a:r>
-          </a:p>
-          <a:p>
-            <a:r>
-              <a:t> So, DRY:</a:t>
-            </a:r>
-          </a:p>
-          <a:p>
-            <a:pPr lvl="1"/>
-            <a:r>
-              <a:t> every piece of knowledge must have a single, unambiguous, authoritative representation within a system</a:t>
-            </a:r>
-          </a:p>
-          <a:p/>
-          <a:p/>
+              <a:t> These have IP addresses that can be accessed only from within the VPC and not from the public internet</a:t>
+            </a:r>
+          </a:p>
           <a:p/>
           <a:p/>
           <a:p/>
@@ -7581,7 +7589,7 @@
       </p:sp>
       <p:pic>
         <p:nvPicPr>
-          <p:cNvPr id="5" name="Picture 4" descr="close-up-close-up-view-dry-environment-141489.jpg"/>
+          <p:cNvPr id="5" name="Picture 4" descr="photo-of-guy-fawkes-mask-with-red-flower-on-top-on-hand-38275.jpg"/>
           <p:cNvPicPr>
             <a:picLocks noChangeAspect="true"/>
           </p:cNvPicPr>
@@ -7595,8 +7603,8 @@
         </p:blipFill>
         <p:spPr>
           <a:xfrm>
-            <a:off x="5342255" y="4836160"/>
-            <a:ext cx="3795395" cy="2131695"/>
+            <a:off x="5464810" y="5440680"/>
+            <a:ext cx="3569335" cy="2382520"/>
           </a:xfrm>
           <a:prstGeom prst="rect">
             <a:avLst/>
@@ -7623,90 +7631,54 @@
       <p:grpSpPr/>
       <p:sp>
         <p:nvSpPr>
-          <p:cNvPr id="2" name="Title 1"/>
-          <p:cNvSpPr>
-            <a:spLocks noGrp="true"/>
-          </p:cNvSpPr>
-          <p:nvPr>
-            <p:ph type="title"/>
-          </p:nvPr>
-        </p:nvSpPr>
-        <p:spPr/>
-        <p:txBody>
-          <a:bodyPr/>
-          <a:lstStyle/>
-          <a:p>
-            <a:r>
-              <a:t>Terraform Input Variables</a:t>
-            </a:r>
-          </a:p>
-        </p:txBody>
-      </p:sp>
-      <p:sp>
-        <p:nvSpPr>
-          <p:cNvPr id="3" name="Content Placeholder 2"/>
-          <p:cNvSpPr>
-            <a:spLocks noGrp="true"/>
-          </p:cNvSpPr>
-          <p:nvPr>
-            <p:ph idx="1"/>
-          </p:nvPr>
-        </p:nvSpPr>
-        <p:spPr/>
-        <p:txBody>
-          <a:bodyPr/>
-          <a:lstStyle/>
-          <a:p/>
-          <a:p/>
-          <a:p>
-            <a:r>
-              <a:t> description</a:t>
-            </a:r>
-          </a:p>
-          <a:p>
-            <a:pPr lvl="1"/>
-            <a:r>
-              <a:t> It’s always a good idea to use this parameter to document how a variable is used</a:t>
-            </a:r>
-          </a:p>
-          <a:p>
-            <a:r>
-              <a:t> default, or use these ways:</a:t>
-            </a:r>
-          </a:p>
-          <a:p>
-            <a:pPr lvl="1"/>
-            <a:r>
-              <a:t> passing it in at the command line (using the -var option)</a:t>
-            </a:r>
-          </a:p>
-          <a:p>
-            <a:pPr lvl="1"/>
-            <a:r>
-              <a:t> via a file (using the -var-file option)</a:t>
-            </a:r>
-          </a:p>
-          <a:p>
-            <a:pPr lvl="1"/>
-            <a:r>
-              <a:t> via an environment variable</a:t>
-            </a:r>
-          </a:p>
-          <a:p>
-            <a:r>
-              <a:t> type</a:t>
-            </a:r>
-          </a:p>
-          <a:p>
-            <a:pPr lvl="1"/>
-            <a:r>
-              <a:t> enforce type constraints on the variables a user passes in</a:t>
-            </a:r>
-          </a:p>
-          <a:p>
-            <a:pPr lvl="1"/>
-            <a:r>
-              <a:t> type constraints: string, number, bool, list, map, set, object, tuple, and any</a:t>
+          <p:cNvPr id="2" name="Subtitle 1"/>
+          <p:cNvSpPr>
+            <a:spLocks noGrp="true"/>
+          </p:cNvSpPr>
+          <p:nvPr>
+            <p:ph type="subTitle" sz="quarter" idx="1"/>
+          </p:nvPr>
+        </p:nvSpPr>
+        <p:spPr/>
+        <p:txBody>
+          <a:bodyPr/>
+          <a:lstStyle/>
+          <a:p>
+            <a:pPr>
+              <a:defRPr sz="3200"/>
+            </a:pPr>
+            <a:r>
+              <a:rPr b="1"/>
+              <a:t>Using Variables
+</a:t>
+            </a:r>
+            <a:r>
+              <a:t>Adding Scalability
+</a:t>
+            </a:r>
+          </a:p>
+        </p:txBody>
+      </p:sp>
+      <p:sp>
+        <p:nvSpPr>
+          <p:cNvPr id="3" name="Title 2"/>
+          <p:cNvSpPr>
+            <a:spLocks noGrp="true"/>
+          </p:cNvSpPr>
+          <p:nvPr>
+            <p:ph type="ctrTitle" sz="quarter"/>
+          </p:nvPr>
+        </p:nvSpPr>
+        <p:spPr/>
+        <p:txBody>
+          <a:bodyPr/>
+          <a:lstStyle/>
+          <a:p>
+            <a:pPr>
+              <a:defRPr sz="4200"/>
+            </a:pPr>
+            <a:r>
+              <a:t>Using Variables</a:t>
             </a:r>
           </a:p>
         </p:txBody>
@@ -7749,30 +7721,6 @@
           </a:p>
         </p:txBody>
       </p:sp>
-      <p:pic>
-        <p:nvPicPr>
-          <p:cNvPr id="5" name="Picture 4" descr="1.png"/>
-          <p:cNvPicPr>
-            <a:picLocks noChangeAspect="true"/>
-          </p:cNvPicPr>
-          <p:nvPr/>
-        </p:nvPicPr>
-        <p:blipFill>
-          <a:blip r:embed="rId1"/>
-          <a:stretch>
-            <a:fillRect/>
-          </a:stretch>
-        </p:blipFill>
-        <p:spPr>
-          <a:xfrm>
-            <a:off x="0" y="914400"/>
-            <a:ext cx="3302000" cy="1054100"/>
-          </a:xfrm>
-          <a:prstGeom prst="rect">
-            <a:avLst/>
-          </a:prstGeom>
-        </p:spPr>
-      </p:pic>
     </p:spTree>
   </p:cSld>
   <p:clrMapOvr>
@@ -7807,7 +7755,7 @@
           <a:lstStyle/>
           <a:p>
             <a:r>
-              <a:t>Examples of Terraform Input Variables</a:t>
+              <a:t>Deploy a Configurable Web Server</a:t>
             </a:r>
           </a:p>
         </p:txBody>
@@ -7828,9 +7776,43 @@
           <a:lstStyle/>
           <a:p>
             <a:r>
-              <a:t> Input variable that checks that the value you pass in is a number:</a:t>
-            </a:r>
-          </a:p>
+              <a:t> Don’t Repeat Yourself (DRY) principle</a:t>
+            </a:r>
+          </a:p>
+          <a:p>
+            <a:r>
+              <a:t> However, we violated it</a:t>
+            </a:r>
+          </a:p>
+          <a:p>
+            <a:pPr lvl="1"/>
+            <a:r>
+              <a:t> the web server port 8080 is duplicated in both the security group and the</a:t>
+            </a:r>
+            <a:r>
+              <a:rPr>
+                <a:latin typeface="Courier New" panose="02070309020205020404"/>
+              </a:rPr>
+              <a:t> User Data</a:t>
+            </a:r>
+            <a:r>
+              <a:t> configuration</a:t>
+            </a:r>
+          </a:p>
+          <a:p>
+            <a:r>
+              <a:t> So, DRY:</a:t>
+            </a:r>
+          </a:p>
+          <a:p>
+            <a:pPr lvl="1"/>
+            <a:r>
+              <a:t> every piece of knowledge must have a single, unambiguous, authoritative representation within a system</a:t>
+            </a:r>
+          </a:p>
+          <a:p/>
+          <a:p/>
+          <a:p/>
           <a:p/>
           <a:p/>
         </p:txBody>
@@ -7875,7 +7857,7 @@
       </p:sp>
       <p:pic>
         <p:nvPicPr>
-          <p:cNvPr id="5" name="Picture 4" descr="1.png"/>
+          <p:cNvPr id="5" name="Picture 4" descr="close-up-close-up-view-dry-environment-141489.jpg"/>
           <p:cNvPicPr>
             <a:picLocks noChangeAspect="true"/>
           </p:cNvPicPr>
@@ -7889,8 +7871,8 @@
         </p:blipFill>
         <p:spPr>
           <a:xfrm>
-            <a:off x="0" y="1792224"/>
-            <a:ext cx="8331200" cy="1587500"/>
+            <a:off x="5342255" y="4836160"/>
+            <a:ext cx="3795395" cy="2131695"/>
           </a:xfrm>
           <a:prstGeom prst="rect">
             <a:avLst/>
@@ -7931,7 +7913,7 @@
           <a:lstStyle/>
           <a:p>
             <a:r>
-              <a:t>Examples of Terraform Input Variables</a:t>
+              <a:t>Terraform Input Variables</a:t>
             </a:r>
           </a:p>
         </p:txBody>
@@ -7950,13 +7932,59 @@
         <p:txBody>
           <a:bodyPr/>
           <a:lstStyle/>
-          <a:p>
-            <a:r>
-              <a:t> List input variable with all numbers</a:t>
-            </a:r>
-          </a:p>
-          <a:p/>
-          <a:p/>
+          <a:p/>
+          <a:p/>
+          <a:p>
+            <a:r>
+              <a:t> description</a:t>
+            </a:r>
+          </a:p>
+          <a:p>
+            <a:pPr lvl="1"/>
+            <a:r>
+              <a:t> It’s always a good idea to use this parameter to document how a variable is used</a:t>
+            </a:r>
+          </a:p>
+          <a:p>
+            <a:r>
+              <a:t> default, or use these ways:</a:t>
+            </a:r>
+          </a:p>
+          <a:p>
+            <a:pPr lvl="1"/>
+            <a:r>
+              <a:t> passing it in at the command line (using the -var option)</a:t>
+            </a:r>
+          </a:p>
+          <a:p>
+            <a:pPr lvl="1"/>
+            <a:r>
+              <a:t> via a file (using the -var-file option)</a:t>
+            </a:r>
+          </a:p>
+          <a:p>
+            <a:pPr lvl="1"/>
+            <a:r>
+              <a:t> via an environment variable</a:t>
+            </a:r>
+          </a:p>
+          <a:p>
+            <a:r>
+              <a:t> type</a:t>
+            </a:r>
+          </a:p>
+          <a:p>
+            <a:pPr lvl="1"/>
+            <a:r>
+              <a:t> enforce type constraints on the variables a user passes in</a:t>
+            </a:r>
+          </a:p>
+          <a:p>
+            <a:pPr lvl="1"/>
+            <a:r>
+              <a:t> type constraints: string, number, bool, list, map, set, object, tuple, and any</a:t>
+            </a:r>
+          </a:p>
         </p:txBody>
       </p:sp>
       <p:sp>
@@ -8013,8 +8041,8 @@
         </p:blipFill>
         <p:spPr>
           <a:xfrm>
-            <a:off x="0" y="1353312"/>
-            <a:ext cx="7874000" cy="1587500"/>
+            <a:off x="0" y="914400"/>
+            <a:ext cx="3302000" cy="1054100"/>
           </a:xfrm>
           <a:prstGeom prst="rect">
             <a:avLst/>
@@ -8076,11 +8104,9 @@
           <a:lstStyle/>
           <a:p>
             <a:r>
-              <a:t> A map of strings</a:t>
-            </a:r>
-          </a:p>
-          <a:p/>
-          <a:p/>
+              <a:t> Input variable that checks that the value you pass in is a number:</a:t>
+            </a:r>
+          </a:p>
           <a:p/>
           <a:p/>
         </p:txBody>
@@ -8139,8 +8165,8 @@
         </p:blipFill>
         <p:spPr>
           <a:xfrm>
-            <a:off x="0" y="1353312"/>
-            <a:ext cx="6197600" cy="2921000"/>
+            <a:off x="0" y="1792224"/>
+            <a:ext cx="8331200" cy="1587500"/>
           </a:xfrm>
           <a:prstGeom prst="rect">
             <a:avLst/>
@@ -8181,7 +8207,7 @@
           <a:lstStyle/>
           <a:p>
             <a:r>
-              <a:t>Quiz</a:t>
+              <a:t>Examples of Terraform Input Variables</a:t>
             </a:r>
           </a:p>
         </p:txBody>
@@ -8202,52 +8228,11 @@
           <a:lstStyle/>
           <a:p>
             <a:r>
-              <a:t> Consider the following Terraform 0.12 configuration snippet. How would you define the</a:t>
-            </a:r>
-            <a:r>
-              <a:rPr>
-                <a:latin typeface="Courier New" panose="02070309020205020404"/>
-              </a:rPr>
-              <a:t> cidr_block</a:t>
-            </a:r>
-            <a:r>
-              <a:t> for us-east-1 in the</a:t>
-            </a:r>
-            <a:r>
-              <a:rPr>
-                <a:latin typeface="Courier New" panose="02070309020205020404"/>
-              </a:rPr>
-              <a:t> aws_vpc</a:t>
-            </a:r>
-            <a:r>
-              <a:t> resource using a variable?</a:t>
-            </a:r>
-          </a:p>
-          <a:p/>
-          <a:p/>
-          <a:p/>
-          <a:p/>
-          <a:p/>
-          <a:p>
-            <a:r>
-              <a:t> A. var.vpc_cidrs[“us-east-1”]</a:t>
-            </a:r>
-          </a:p>
-          <a:p>
-            <a:r>
-              <a:t> B. var.vpc_cidrs.0</a:t>
-            </a:r>
-          </a:p>
-          <a:p>
-            <a:r>
-              <a:t> C. vpc_cidrs[“us-east-1”]</a:t>
-            </a:r>
-          </a:p>
-          <a:p>
-            <a:r>
-              <a:t> D.var.vpc_cidrs[0]</a:t>
-            </a:r>
-          </a:p>
+              <a:t> List input variable with all numbers</a:t>
+            </a:r>
+          </a:p>
+          <a:p/>
+          <a:p/>
         </p:txBody>
       </p:sp>
       <p:sp>
@@ -8304,8 +8289,8 @@
         </p:blipFill>
         <p:spPr>
           <a:xfrm>
-            <a:off x="626110" y="2275840"/>
-            <a:ext cx="2705100" cy="1962150"/>
+            <a:off x="0" y="1353312"/>
+            <a:ext cx="7874000" cy="1587500"/>
           </a:xfrm>
           <a:prstGeom prst="rect">
             <a:avLst/>
@@ -8346,7 +8331,7 @@
           <a:lstStyle/>
           <a:p>
             <a:r>
-              <a:t>Quiz</a:t>
+              <a:t>Examples of Terraform Input Variables</a:t>
             </a:r>
           </a:p>
         </p:txBody>
@@ -8367,51 +8352,13 @@
           <a:lstStyle/>
           <a:p>
             <a:r>
-              <a:t> You have defined the values for your variables in the file terraform.tfvars, and saved it in the same directory as your Terraform configuration. Which of the following commands will use those values when creating an execution plan?</a:t>
-            </a:r>
-          </a:p>
-          <a:p>
-            <a:pPr lvl="1"/>
-            <a:r>
-              <a:t> A.</a:t>
-            </a:r>
-            <a:r>
-              <a:rPr>
-                <a:latin typeface="Courier New" panose="02070309020205020404"/>
-              </a:rPr>
-              <a:t> terraform plan</a:t>
-            </a:r>
-            <a:endParaRPr>
-              <a:latin typeface="Courier New" panose="02070309020205020404"/>
-            </a:endParaRPr>
-          </a:p>
-          <a:p>
-            <a:pPr lvl="1"/>
-            <a:r>
-              <a:t> B.</a:t>
-            </a:r>
-            <a:r>
-              <a:rPr>
-                <a:latin typeface="Courier New" panose="02070309020205020404"/>
-              </a:rPr>
-              <a:t> terraform plan -var-file=terraform.tfvars</a:t>
-            </a:r>
-            <a:endParaRPr>
-              <a:latin typeface="Courier New" panose="02070309020205020404"/>
-            </a:endParaRPr>
-          </a:p>
-          <a:p>
-            <a:pPr lvl="1"/>
-            <a:r>
-              <a:t> C. All of the above</a:t>
-            </a:r>
-          </a:p>
-          <a:p>
-            <a:pPr lvl="1"/>
-            <a:r>
-              <a:t> D. None of the above </a:t>
-            </a:r>
-          </a:p>
+              <a:t> A map of strings</a:t>
+            </a:r>
+          </a:p>
+          <a:p/>
+          <a:p/>
+          <a:p/>
+          <a:p/>
         </p:txBody>
       </p:sp>
       <p:sp>
@@ -8452,6 +8399,30 @@
           </a:p>
         </p:txBody>
       </p:sp>
+      <p:pic>
+        <p:nvPicPr>
+          <p:cNvPr id="5" name="Picture 4" descr="1.png"/>
+          <p:cNvPicPr>
+            <a:picLocks noChangeAspect="true"/>
+          </p:cNvPicPr>
+          <p:nvPr/>
+        </p:nvPicPr>
+        <p:blipFill>
+          <a:blip r:embed="rId1"/>
+          <a:stretch>
+            <a:fillRect/>
+          </a:stretch>
+        </p:blipFill>
+        <p:spPr>
+          <a:xfrm>
+            <a:off x="0" y="1353312"/>
+            <a:ext cx="6197600" cy="2921000"/>
+          </a:xfrm>
+          <a:prstGeom prst="rect">
+            <a:avLst/>
+          </a:prstGeom>
+        </p:spPr>
+      </p:pic>
     </p:spTree>
   </p:cSld>
   <p:clrMapOvr>
@@ -8486,7 +8457,7 @@
           <a:lstStyle/>
           <a:p>
             <a:r>
-              <a:t>OO Coding with Terraform!</a:t>
+              <a:t>Quiz</a:t>
             </a:r>
           </a:p>
         </p:txBody>
@@ -8505,12 +8476,54 @@
         <p:txBody>
           <a:bodyPr/>
           <a:lstStyle/>
-          <a:p/>
-          <a:p/>
-          <a:p/>
-          <a:p/>
-          <a:p/>
-          <a:p/>
+          <a:p>
+            <a:r>
+              <a:t> Consider the following Terraform 0.12 configuration snippet. How would you define the</a:t>
+            </a:r>
+            <a:r>
+              <a:rPr>
+                <a:latin typeface="Courier New" panose="02070309020205020404"/>
+              </a:rPr>
+              <a:t> cidr_block</a:t>
+            </a:r>
+            <a:r>
+              <a:t> for us-east-1 in the</a:t>
+            </a:r>
+            <a:r>
+              <a:rPr>
+                <a:latin typeface="Courier New" panose="02070309020205020404"/>
+              </a:rPr>
+              <a:t> aws_vpc</a:t>
+            </a:r>
+            <a:r>
+              <a:t> resource using a variable?</a:t>
+            </a:r>
+          </a:p>
+          <a:p/>
+          <a:p/>
+          <a:p/>
+          <a:p/>
+          <a:p/>
+          <a:p>
+            <a:r>
+              <a:t> A. var.vpc_cidrs[“us-east-1”]</a:t>
+            </a:r>
+          </a:p>
+          <a:p>
+            <a:r>
+              <a:t> B. var.vpc_cidrs.0</a:t>
+            </a:r>
+          </a:p>
+          <a:p>
+            <a:r>
+              <a:t> C. vpc_cidrs[“us-east-1”]</a:t>
+            </a:r>
+          </a:p>
+          <a:p>
+            <a:r>
+              <a:t> D.var.vpc_cidrs[0]</a:t>
+            </a:r>
+          </a:p>
         </p:txBody>
       </p:sp>
       <p:sp>
@@ -8567,8 +8580,8 @@
         </p:blipFill>
         <p:spPr>
           <a:xfrm>
-            <a:off x="0" y="914400"/>
-            <a:ext cx="8178800" cy="4521200"/>
+            <a:off x="626110" y="2275840"/>
+            <a:ext cx="2705100" cy="1962150"/>
           </a:xfrm>
           <a:prstGeom prst="rect">
             <a:avLst/>
@@ -8609,7 +8622,7 @@
           <a:lstStyle/>
           <a:p>
             <a:r>
-              <a:t>"server_port" Variable</a:t>
+              <a:t>Quiz</a:t>
             </a:r>
           </a:p>
         </p:txBody>
@@ -8628,8 +8641,53 @@
         <p:txBody>
           <a:bodyPr/>
           <a:lstStyle/>
-          <a:p/>
-          <a:p/>
+          <a:p>
+            <a:r>
+              <a:t> You have defined the values for your variables in the file terraform.tfvars, and saved it in the same directory as your Terraform configuration. Which of the following commands will use those values when creating an execution plan?</a:t>
+            </a:r>
+          </a:p>
+          <a:p>
+            <a:pPr lvl="1"/>
+            <a:r>
+              <a:t> A.</a:t>
+            </a:r>
+            <a:r>
+              <a:rPr>
+                <a:latin typeface="Courier New" panose="02070309020205020404"/>
+              </a:rPr>
+              <a:t> terraform plan</a:t>
+            </a:r>
+            <a:endParaRPr>
+              <a:latin typeface="Courier New" panose="02070309020205020404"/>
+            </a:endParaRPr>
+          </a:p>
+          <a:p>
+            <a:pPr lvl="1"/>
+            <a:r>
+              <a:t> B.</a:t>
+            </a:r>
+            <a:r>
+              <a:rPr>
+                <a:latin typeface="Courier New" panose="02070309020205020404"/>
+              </a:rPr>
+              <a:t> terraform plan -var-file=terraform.tfvars</a:t>
+            </a:r>
+            <a:endParaRPr>
+              <a:latin typeface="Courier New" panose="02070309020205020404"/>
+            </a:endParaRPr>
+          </a:p>
+          <a:p>
+            <a:pPr lvl="1"/>
+            <a:r>
+              <a:t> C. All of the above</a:t>
+            </a:r>
+          </a:p>
+          <a:p>
+            <a:pPr lvl="1"/>
+            <a:r>
+              <a:t> D. None of the above </a:t>
+            </a:r>
+          </a:p>
         </p:txBody>
       </p:sp>
       <p:sp>
@@ -8670,30 +8728,6 @@
           </a:p>
         </p:txBody>
       </p:sp>
-      <p:pic>
-        <p:nvPicPr>
-          <p:cNvPr id="5" name="Picture 4" descr="1.png"/>
-          <p:cNvPicPr>
-            <a:picLocks noChangeAspect="true"/>
-          </p:cNvPicPr>
-          <p:nvPr/>
-        </p:nvPicPr>
-        <p:blipFill>
-          <a:blip r:embed="rId1"/>
-          <a:stretch>
-            <a:fillRect/>
-          </a:stretch>
-        </p:blipFill>
-        <p:spPr>
-          <a:xfrm>
-            <a:off x="0" y="914400"/>
-            <a:ext cx="7874000" cy="1320800"/>
-          </a:xfrm>
-          <a:prstGeom prst="rect">
-            <a:avLst/>
-          </a:prstGeom>
-        </p:spPr>
-      </p:pic>
     </p:spTree>
   </p:cSld>
   <p:clrMapOvr>
@@ -8728,7 +8762,7 @@
           <a:lstStyle/>
           <a:p>
             <a:r>
-              <a:t>Using "server_port" Variable</a:t>
+              <a:t>OO Coding with Terraform!</a:t>
             </a:r>
           </a:p>
         </p:txBody>
@@ -8747,51 +8781,12 @@
         <p:txBody>
           <a:bodyPr/>
           <a:lstStyle/>
-          <a:p>
-            <a:r>
-              <a:t> If you run</a:t>
-            </a:r>
-            <a:r>
-              <a:rPr>
-                <a:latin typeface="Courier New" panose="02070309020205020404"/>
-              </a:rPr>
-              <a:t> terraform apply</a:t>
-            </a:r>
-            <a:r>
-              <a:t> , you will get this message:</a:t>
-            </a:r>
-          </a:p>
-          <a:p/>
-          <a:p/>
-          <a:p>
-            <a:r>
-              <a:t> Your choices now are:</a:t>
-            </a:r>
-          </a:p>
-          <a:p>
-            <a:pPr lvl="1"/>
-            <a:r>
-              <a:t> Enter a value :)</a:t>
-            </a:r>
-          </a:p>
-          <a:p>
-            <a:pPr lvl="1"/>
-            <a:r>
-              <a:t> terraform plan -var "server_port=8080"</a:t>
-            </a:r>
-          </a:p>
-          <a:p>
-            <a:pPr lvl="1"/>
-            <a:r>
-              <a:t> export TF_VAR_server_port=8080</a:t>
-            </a:r>
-          </a:p>
-          <a:p>
-            <a:pPr lvl="1"/>
-            <a:r>
-              <a:t> Supply a default</a:t>
-            </a:r>
-          </a:p>
+          <a:p/>
+          <a:p/>
+          <a:p/>
+          <a:p/>
+          <a:p/>
+          <a:p/>
         </p:txBody>
       </p:sp>
       <p:sp>
@@ -8848,8 +8843,8 @@
         </p:blipFill>
         <p:spPr>
           <a:xfrm>
-            <a:off x="234950" y="1445260"/>
-            <a:ext cx="4599305" cy="844550"/>
+            <a:off x="0" y="914400"/>
+            <a:ext cx="8178800" cy="4521200"/>
           </a:xfrm>
           <a:prstGeom prst="rect">
             <a:avLst/>
@@ -9060,7 +9055,7 @@
           <a:lstStyle/>
           <a:p>
             <a:r>
-              <a:t>How to Use Your Variable</a:t>
+              <a:t>"server_port" Variable</a:t>
             </a:r>
           </a:p>
         </p:txBody>
@@ -9079,36 +9074,6 @@
         <p:txBody>
           <a:bodyPr/>
           <a:lstStyle/>
-          <a:p>
-            <a:r>
-              <a:t> Simply, use</a:t>
-            </a:r>
-            <a:r>
-              <a:rPr>
-                <a:latin typeface="Courier New" panose="02070309020205020404"/>
-              </a:rPr>
-              <a:t> var</a:t>
-            </a:r>
-            <a:r>
-              <a:t> , like this:</a:t>
-            </a:r>
-            <a:r>
-              <a:rPr>
-                <a:latin typeface="Courier New" panose="02070309020205020404"/>
-              </a:rPr>
-              <a:t> var.&lt;VARIABLE_NAME&gt;</a:t>
-            </a:r>
-            <a:endParaRPr>
-              <a:latin typeface="Courier New" panose="02070309020205020404"/>
-            </a:endParaRPr>
-          </a:p>
-          <a:p>
-            <a:r>
-              <a:t> For example</a:t>
-            </a:r>
-          </a:p>
-          <a:p/>
-          <a:p/>
           <a:p/>
           <a:p/>
         </p:txBody>
@@ -9167,8 +9132,8 @@
         </p:blipFill>
         <p:spPr>
           <a:xfrm>
-            <a:off x="-20320" y="2480564"/>
-            <a:ext cx="7112000" cy="2921000"/>
+            <a:off x="0" y="914400"/>
+            <a:ext cx="7874000" cy="1320800"/>
           </a:xfrm>
           <a:prstGeom prst="rect">
             <a:avLst/>
@@ -9209,7 +9174,7 @@
           <a:lstStyle/>
           <a:p>
             <a:r>
-              <a:t>New Expression - Interpolation</a:t>
+              <a:t>Using "server_port" Variable</a:t>
             </a:r>
           </a:p>
         </p:txBody>
@@ -9229,41 +9194,50 @@
           <a:bodyPr/>
           <a:lstStyle/>
           <a:p>
+            <a:r>
+              <a:t> If you run</a:t>
+            </a:r>
             <a:r>
               <a:rPr>
                 <a:latin typeface="Courier New" panose="02070309020205020404"/>
               </a:rPr>
-              <a:t> "${...}"</a:t>
-            </a:r>
-            <a:endParaRPr>
-              <a:latin typeface="Courier New" panose="02070309020205020404"/>
-            </a:endParaRPr>
-          </a:p>
-          <a:p>
-            <a:r>
-              <a:t> Now, let us use the same</a:t>
-            </a:r>
-            <a:r>
-              <a:rPr>
-                <a:latin typeface="Courier New" panose="02070309020205020404"/>
-              </a:rPr>
-              <a:t> server_port</a:t>
-            </a:r>
-            <a:r>
-              <a:t> inside of</a:t>
-            </a:r>
-            <a:r>
-              <a:rPr>
-                <a:latin typeface="Courier New" panose="02070309020205020404"/>
-              </a:rPr>
-              <a:t> User Data</a:t>
-            </a:r>
-            <a:endParaRPr>
-              <a:latin typeface="Courier New" panose="02070309020205020404"/>
-            </a:endParaRPr>
-          </a:p>
-          <a:p/>
-          <a:p/>
+              <a:t> terraform apply</a:t>
+            </a:r>
+            <a:r>
+              <a:t> , you will get this message:</a:t>
+            </a:r>
+          </a:p>
+          <a:p/>
+          <a:p/>
+          <a:p>
+            <a:r>
+              <a:t> Your choices now are:</a:t>
+            </a:r>
+          </a:p>
+          <a:p>
+            <a:pPr lvl="1"/>
+            <a:r>
+              <a:t> Enter a value :)</a:t>
+            </a:r>
+          </a:p>
+          <a:p>
+            <a:pPr lvl="1"/>
+            <a:r>
+              <a:t> terraform plan -var "server_port=8080"</a:t>
+            </a:r>
+          </a:p>
+          <a:p>
+            <a:pPr lvl="1"/>
+            <a:r>
+              <a:t> export TF_VAR_server_port=8080</a:t>
+            </a:r>
+          </a:p>
+          <a:p>
+            <a:pPr lvl="1"/>
+            <a:r>
+              <a:t> Supply a default</a:t>
+            </a:r>
+          </a:p>
         </p:txBody>
       </p:sp>
       <p:sp>
@@ -9320,8 +9294,8 @@
         </p:blipFill>
         <p:spPr>
           <a:xfrm>
-            <a:off x="-31115" y="2624709"/>
-            <a:ext cx="8178800" cy="1587500"/>
+            <a:off x="234950" y="1445260"/>
+            <a:ext cx="4599305" cy="844550"/>
           </a:xfrm>
           <a:prstGeom prst="rect">
             <a:avLst/>
@@ -9362,7 +9336,7 @@
           <a:lstStyle/>
           <a:p>
             <a:r>
-              <a:t>Setting an "output" variable</a:t>
+              <a:t>How to Use Your Variable</a:t>
             </a:r>
           </a:p>
         </p:txBody>
@@ -9383,37 +9357,34 @@
           <a:lstStyle/>
           <a:p>
             <a:r>
-              <a:t> Additional variables</a:t>
-            </a:r>
-          </a:p>
-          <a:p>
-            <a:r>
-              <a:t> description</a:t>
-            </a:r>
-          </a:p>
-          <a:p>
-            <a:pPr lvl="1"/>
-            <a:r>
-              <a:t> It is always a good idea to document</a:t>
-            </a:r>
-          </a:p>
-          <a:p>
-            <a:r>
-              <a:t> sensitive</a:t>
-            </a:r>
-          </a:p>
-          <a:p>
-            <a:pPr lvl="1"/>
-            <a:r>
-              <a:t> true will instruct Terraform not to log this output at the end of terraform apply</a:t>
-            </a:r>
-          </a:p>
-          <a:p>
-            <a:pPr lvl="1"/>
-            <a:r>
-              <a:t> For sensitive material or secrets such as passwords or private keys</a:t>
-            </a:r>
-          </a:p>
+              <a:t> Simply, use</a:t>
+            </a:r>
+            <a:r>
+              <a:rPr>
+                <a:latin typeface="Courier New" panose="02070309020205020404"/>
+              </a:rPr>
+              <a:t> var</a:t>
+            </a:r>
+            <a:r>
+              <a:t> , like this:</a:t>
+            </a:r>
+            <a:r>
+              <a:rPr>
+                <a:latin typeface="Courier New" panose="02070309020205020404"/>
+              </a:rPr>
+              <a:t> var.&lt;VARIABLE_NAME&gt;</a:t>
+            </a:r>
+            <a:endParaRPr>
+              <a:latin typeface="Courier New" panose="02070309020205020404"/>
+            </a:endParaRPr>
+          </a:p>
+          <a:p>
+            <a:r>
+              <a:t> For example</a:t>
+            </a:r>
+          </a:p>
+          <a:p/>
+          <a:p/>
           <a:p/>
           <a:p/>
         </p:txBody>
@@ -9472,8 +9443,8 @@
         </p:blipFill>
         <p:spPr>
           <a:xfrm>
-            <a:off x="0" y="4425696"/>
-            <a:ext cx="3302000" cy="1320800"/>
+            <a:off x="-20320" y="2480564"/>
+            <a:ext cx="7112000" cy="2921000"/>
           </a:xfrm>
           <a:prstGeom prst="rect">
             <a:avLst/>
@@ -9514,7 +9485,7 @@
           <a:lstStyle/>
           <a:p>
             <a:r>
-              <a:t>Output Variable For Our Script</a:t>
+              <a:t>New Expression - Interpolation</a:t>
             </a:r>
           </a:p>
         </p:txBody>
@@ -9533,6 +9504,40 @@
         <p:txBody>
           <a:bodyPr/>
           <a:lstStyle/>
+          <a:p>
+            <a:r>
+              <a:rPr>
+                <a:latin typeface="Courier New" panose="02070309020205020404"/>
+              </a:rPr>
+              <a:t> "${...}"</a:t>
+            </a:r>
+            <a:endParaRPr>
+              <a:latin typeface="Courier New" panose="02070309020205020404"/>
+            </a:endParaRPr>
+          </a:p>
+          <a:p>
+            <a:r>
+              <a:t> Now, let us use the same</a:t>
+            </a:r>
+            <a:r>
+              <a:rPr>
+                <a:latin typeface="Courier New" panose="02070309020205020404"/>
+              </a:rPr>
+              <a:t> server_port</a:t>
+            </a:r>
+            <a:r>
+              <a:t> inside of</a:t>
+            </a:r>
+            <a:r>
+              <a:rPr>
+                <a:latin typeface="Courier New" panose="02070309020205020404"/>
+              </a:rPr>
+              <a:t> User Data</a:t>
+            </a:r>
+            <a:endParaRPr>
+              <a:latin typeface="Courier New" panose="02070309020205020404"/>
+            </a:endParaRPr>
+          </a:p>
           <a:p/>
           <a:p/>
         </p:txBody>
@@ -9591,8 +9596,8 @@
         </p:blipFill>
         <p:spPr>
           <a:xfrm>
-            <a:off x="0" y="914400"/>
-            <a:ext cx="9398000" cy="1320800"/>
+            <a:off x="-31115" y="2624709"/>
+            <a:ext cx="8178800" cy="1587500"/>
           </a:xfrm>
           <a:prstGeom prst="rect">
             <a:avLst/>
@@ -9633,7 +9638,7 @@
           <a:lstStyle/>
           <a:p>
             <a:r>
-              <a:t>Lab: Configure Server Port</a:t>
+              <a:t>Setting an "output" variable</a:t>
             </a:r>
           </a:p>
         </p:txBody>
@@ -9654,33 +9659,39 @@
           <a:lstStyle/>
           <a:p>
             <a:r>
-              <a:t> Please do this lab</a:t>
-            </a:r>
-          </a:p>
-          <a:p>
-            <a:r>
-              <a:rPr>
-                <a:latin typeface="Courier New" panose="02070309020205020404"/>
-              </a:rPr>
-              <a:t> code/terraform/01-why-terraform/web-server/step2</a:t>
-            </a:r>
-            <a:endParaRPr>
-              <a:latin typeface="Courier New" panose="02070309020205020404"/>
-            </a:endParaRPr>
-          </a:p>
-          <a:p>
-            <a:r>
-              <a:rPr>
-                <a:hlinkClick r:id="rId1"/>
-              </a:rPr>
-              <a:t> Here</a:t>
-            </a:r>
-          </a:p>
-          <a:p>
-            <a:r>
-              <a:t> In this lab, we practice setting up Terraform variables</a:t>
-            </a:r>
-          </a:p>
+              <a:t> Additional variables</a:t>
+            </a:r>
+          </a:p>
+          <a:p>
+            <a:r>
+              <a:t> description</a:t>
+            </a:r>
+          </a:p>
+          <a:p>
+            <a:pPr lvl="1"/>
+            <a:r>
+              <a:t> It is always a good idea to document</a:t>
+            </a:r>
+          </a:p>
+          <a:p>
+            <a:r>
+              <a:t> sensitive</a:t>
+            </a:r>
+          </a:p>
+          <a:p>
+            <a:pPr lvl="1"/>
+            <a:r>
+              <a:t> true will instruct Terraform not to log this output at the end of terraform apply</a:t>
+            </a:r>
+          </a:p>
+          <a:p>
+            <a:pPr lvl="1"/>
+            <a:r>
+              <a:t> For sensitive material or secrets such as passwords or private keys</a:t>
+            </a:r>
+          </a:p>
+          <a:p/>
+          <a:p/>
         </p:txBody>
       </p:sp>
       <p:sp>
@@ -9721,6 +9732,30 @@
           </a:p>
         </p:txBody>
       </p:sp>
+      <p:pic>
+        <p:nvPicPr>
+          <p:cNvPr id="5" name="Picture 4" descr="1.png"/>
+          <p:cNvPicPr>
+            <a:picLocks noChangeAspect="true"/>
+          </p:cNvPicPr>
+          <p:nvPr/>
+        </p:nvPicPr>
+        <p:blipFill>
+          <a:blip r:embed="rId1"/>
+          <a:stretch>
+            <a:fillRect/>
+          </a:stretch>
+        </p:blipFill>
+        <p:spPr>
+          <a:xfrm>
+            <a:off x="0" y="4425696"/>
+            <a:ext cx="3302000" cy="1320800"/>
+          </a:xfrm>
+          <a:prstGeom prst="rect">
+            <a:avLst/>
+          </a:prstGeom>
+        </p:spPr>
+      </p:pic>
     </p:spTree>
   </p:cSld>
   <p:clrMapOvr>
@@ -9741,57 +9776,41 @@
       <p:grpSpPr/>
       <p:sp>
         <p:nvSpPr>
-          <p:cNvPr id="2" name="Subtitle 1"/>
-          <p:cNvSpPr>
-            <a:spLocks noGrp="true"/>
-          </p:cNvSpPr>
-          <p:nvPr>
-            <p:ph type="subTitle" sz="quarter" idx="1"/>
-          </p:nvPr>
-        </p:nvSpPr>
-        <p:spPr/>
-        <p:txBody>
-          <a:bodyPr/>
-          <a:lstStyle/>
-          <a:p>
-            <a:pPr>
-              <a:defRPr sz="3200"/>
-            </a:pPr>
-            <a:r>
-              <a:t>Using Variables
-</a:t>
-            </a:r>
-            <a:r>
-              <a:rPr b="1"/>
-              <a:t>Adding Scalability
-</a:t>
-            </a:r>
-            <a:endParaRPr b="1"/>
-          </a:p>
-        </p:txBody>
-      </p:sp>
-      <p:sp>
-        <p:nvSpPr>
-          <p:cNvPr id="3" name="Title 2"/>
-          <p:cNvSpPr>
-            <a:spLocks noGrp="true"/>
-          </p:cNvSpPr>
-          <p:nvPr>
-            <p:ph type="ctrTitle" sz="quarter"/>
-          </p:nvPr>
-        </p:nvSpPr>
-        <p:spPr/>
-        <p:txBody>
-          <a:bodyPr/>
-          <a:lstStyle/>
-          <a:p>
-            <a:pPr>
-              <a:defRPr sz="4200"/>
-            </a:pPr>
-            <a:r>
-              <a:t>Adding Scalability</a:t>
-            </a:r>
-          </a:p>
+          <p:cNvPr id="2" name="Title 1"/>
+          <p:cNvSpPr>
+            <a:spLocks noGrp="true"/>
+          </p:cNvSpPr>
+          <p:nvPr>
+            <p:ph type="title"/>
+          </p:nvPr>
+        </p:nvSpPr>
+        <p:spPr/>
+        <p:txBody>
+          <a:bodyPr/>
+          <a:lstStyle/>
+          <a:p>
+            <a:r>
+              <a:t>Output Variable For Our Script</a:t>
+            </a:r>
+          </a:p>
+        </p:txBody>
+      </p:sp>
+      <p:sp>
+        <p:nvSpPr>
+          <p:cNvPr id="3" name="Content Placeholder 2"/>
+          <p:cNvSpPr>
+            <a:spLocks noGrp="true"/>
+          </p:cNvSpPr>
+          <p:nvPr>
+            <p:ph idx="1"/>
+          </p:nvPr>
+        </p:nvSpPr>
+        <p:spPr/>
+        <p:txBody>
+          <a:bodyPr/>
+          <a:lstStyle/>
+          <a:p/>
+          <a:p/>
         </p:txBody>
       </p:sp>
       <p:sp>
@@ -9832,6 +9851,30 @@
           </a:p>
         </p:txBody>
       </p:sp>
+      <p:pic>
+        <p:nvPicPr>
+          <p:cNvPr id="5" name="Picture 4" descr="1.png"/>
+          <p:cNvPicPr>
+            <a:picLocks noChangeAspect="true"/>
+          </p:cNvPicPr>
+          <p:nvPr/>
+        </p:nvPicPr>
+        <p:blipFill>
+          <a:blip r:embed="rId1"/>
+          <a:stretch>
+            <a:fillRect/>
+          </a:stretch>
+        </p:blipFill>
+        <p:spPr>
+          <a:xfrm>
+            <a:off x="0" y="914400"/>
+            <a:ext cx="9398000" cy="1320800"/>
+          </a:xfrm>
+          <a:prstGeom prst="rect">
+            <a:avLst/>
+          </a:prstGeom>
+        </p:spPr>
+      </p:pic>
     </p:spTree>
   </p:cSld>
   <p:clrMapOvr>
@@ -9866,8 +9909,13 @@
           <a:lstStyle/>
           <a:p>
             <a:r>
-              <a:t>Motivation for a Cluster</a:t>
-            </a:r>
+              <a:t>Lab: </a:t>
+            </a:r>
+            <a:r>
+              <a:rPr lang="en-US"/>
+              <a:t>Experiment with variable</a:t>
+            </a:r>
+            <a:endParaRPr lang="en-US"/>
           </a:p>
         </p:txBody>
       </p:sp>
@@ -9887,44 +9935,97 @@
           <a:lstStyle/>
           <a:p>
             <a:r>
-              <a:t> Running a single server is a good start, but in the real world, a single server is a single point of failure</a:t>
-            </a:r>
-          </a:p>
-          <a:p>
-            <a:r>
-              <a:t> If that server crashes, or if it becomes overloaded from too much traffic, users will be unable to access your site</a:t>
-            </a:r>
-          </a:p>
-          <a:p>
-            <a:r>
-              <a:t> The solution is to run a cluster of servers, routing around servers that go down, and adjusting the size of the cluster up or down based on traffic</a:t>
-            </a:r>
-          </a:p>
-          <a:p>
-            <a:r>
-              <a:t> We will need the following</a:t>
-            </a:r>
+              <a:rPr lang="en-US"/>
+              <a:t>Go back to</a:t>
+            </a:r>
+            <a:r>
+              <a:t> this lab:</a:t>
+            </a:r>
+          </a:p>
+          <a:p>
+            <a:r>
+              <a:rPr>
+                <a:latin typeface="Courier New" panose="02070309020205020404"/>
+              </a:rPr>
+              <a:t>terraform-up-and-running-code/labs/lab02-2.m</a:t>
+            </a:r>
+            <a:r>
+              <a:rPr lang="en-US">
+                <a:latin typeface="Courier New" panose="02070309020205020404"/>
+              </a:rPr>
+              <a:t>d</a:t>
+            </a:r>
+            <a:endParaRPr lang="en-US">
+              <a:latin typeface="Courier New" panose="02070309020205020404"/>
+            </a:endParaRPr>
+          </a:p>
+          <a:p>
+            <a:r>
+              <a:rPr>
+                <a:sym typeface="+mn-ea"/>
+                <a:hlinkClick r:id="rId1" action="ppaction://hlinkfile"/>
+              </a:rPr>
+              <a:t>https://github.com/elephantscale/terraform-up-and-running-code/blob/master/labs/lab02-2.m</a:t>
+            </a:r>
+            <a:r>
+              <a:rPr lang="en-US">
+                <a:sym typeface="+mn-ea"/>
+                <a:hlinkClick r:id="rId1" action="ppaction://hlinkfile"/>
+              </a:rPr>
+              <a:t>d</a:t>
+            </a:r>
+            <a:endParaRPr lang="en-US">
+              <a:sym typeface="+mn-ea"/>
+              <a:hlinkClick r:id="rId1" action="ppaction://hlinkfile"/>
+            </a:endParaRPr>
+          </a:p>
+          <a:p>
+            <a:r>
+              <a:rPr lang="en-US" altLang="en-US">
+                <a:sym typeface="+mn-ea"/>
+              </a:rPr>
+              <a:t>Experiment with providing the variables </a:t>
+            </a:r>
+            <a:endParaRPr lang="en-US" altLang="en-US">
+              <a:sym typeface="+mn-ea"/>
+            </a:endParaRPr>
           </a:p>
           <a:p>
             <a:pPr lvl="1"/>
             <a:r>
-              <a:t> Auto-scaling group (ASG)</a:t>
-            </a:r>
+              <a:rPr lang="en-US" altLang="en-US">
+                <a:sym typeface="+mn-ea"/>
+              </a:rPr>
+              <a:t>default</a:t>
+            </a:r>
+            <a:endParaRPr lang="en-US" altLang="en-US">
+              <a:sym typeface="+mn-ea"/>
+            </a:endParaRPr>
           </a:p>
           <a:p>
             <a:pPr lvl="1"/>
             <a:r>
-              <a:t> VPC</a:t>
-            </a:r>
+              <a:rPr lang="en-US" altLang="en-US">
+                <a:sym typeface="+mn-ea"/>
+              </a:rPr>
+              <a:t>var=</a:t>
+            </a:r>
+            <a:endParaRPr lang="en-US" altLang="en-US">
+              <a:sym typeface="+mn-ea"/>
+            </a:endParaRPr>
           </a:p>
           <a:p>
             <a:pPr lvl="1"/>
             <a:r>
-              <a:t> Load balancer</a:t>
-            </a:r>
-          </a:p>
-          <a:p/>
-          <a:p/>
+              <a:rPr lang="en-US" altLang="en-US">
+                <a:sym typeface="+mn-ea"/>
+              </a:rPr>
+              <a:t>every other way</a:t>
+            </a:r>
+            <a:endParaRPr lang="en-US" altLang="en-US">
+              <a:sym typeface="+mn-ea"/>
+            </a:endParaRPr>
+          </a:p>
         </p:txBody>
       </p:sp>
       <p:sp>
@@ -9965,30 +10066,6 @@
           </a:p>
         </p:txBody>
       </p:sp>
-      <p:pic>
-        <p:nvPicPr>
-          <p:cNvPr id="5" name="Picture 4" descr="bigmusclet.png"/>
-          <p:cNvPicPr>
-            <a:picLocks noChangeAspect="true"/>
-          </p:cNvPicPr>
-          <p:nvPr/>
-        </p:nvPicPr>
-        <p:blipFill>
-          <a:blip r:embed="rId1"/>
-          <a:stretch>
-            <a:fillRect/>
-          </a:stretch>
-        </p:blipFill>
-        <p:spPr>
-          <a:xfrm>
-            <a:off x="3418840" y="4957445"/>
-            <a:ext cx="3616960" cy="2713355"/>
-          </a:xfrm>
-          <a:prstGeom prst="rect">
-            <a:avLst/>
-          </a:prstGeom>
-        </p:spPr>
-      </p:pic>
     </p:spTree>
   </p:cSld>
   <p:clrMapOvr>
@@ -10009,91 +10086,55 @@
       <p:grpSpPr/>
       <p:sp>
         <p:nvSpPr>
-          <p:cNvPr id="2" name="Title 1"/>
-          <p:cNvSpPr>
-            <a:spLocks noGrp="true"/>
-          </p:cNvSpPr>
-          <p:nvPr>
-            <p:ph type="title"/>
-          </p:nvPr>
-        </p:nvSpPr>
-        <p:spPr/>
-        <p:txBody>
-          <a:bodyPr/>
-          <a:lstStyle/>
-          <a:p>
-            <a:r>
-              <a:t>Discussion</a:t>
-            </a:r>
-          </a:p>
-        </p:txBody>
-      </p:sp>
-      <p:sp>
-        <p:nvSpPr>
-          <p:cNvPr id="3" name="Content Placeholder 2"/>
-          <p:cNvSpPr>
-            <a:spLocks noGrp="true"/>
-          </p:cNvSpPr>
-          <p:nvPr>
-            <p:ph idx="1"/>
-          </p:nvPr>
-        </p:nvSpPr>
-        <p:spPr/>
-        <p:txBody>
-          <a:bodyPr/>
-          <a:lstStyle/>
-          <a:p>
-            <a:r>
-              <a:t> When clusters makes sense and when it is not worth it?</a:t>
-            </a:r>
-          </a:p>
-          <a:p>
-            <a:r>
-              <a:t> Imagine a parallel research app for a cluster that would be rearchitected for Cloud</a:t>
-            </a:r>
-          </a:p>
-          <a:p>
-            <a:pPr lvl="1"/>
-            <a:r>
-              <a:t> would have instances</a:t>
-            </a:r>
-          </a:p>
-          <a:p>
-            <a:pPr lvl="1"/>
-            <a:r>
-              <a:t> a task dispatcher, etc.</a:t>
-            </a:r>
-          </a:p>
-          <a:p>
-            <a:pPr lvl="1"/>
-            <a:r>
-              <a:t> would have to manage those instances, etc.</a:t>
-            </a:r>
-          </a:p>
-          <a:p>
-            <a:r>
-              <a:t> Alternatives</a:t>
-            </a:r>
-          </a:p>
-          <a:p>
-            <a:pPr lvl="1"/>
-            <a:r>
-              <a:t> Very large instance with 100+ CPUs</a:t>
-            </a:r>
-          </a:p>
-          <a:p>
-            <a:pPr lvl="1"/>
-            <a:r>
-              <a:t> Memory pool from</a:t>
-            </a:r>
-            <a:r>
-              <a:rPr>
-                <a:hlinkClick r:id="rId1"/>
-              </a:rPr>
-              <a:t> Kove</a:t>
-            </a:r>
-            <a:r>
-              <a:t> </a:t>
+          <p:cNvPr id="2" name="Subtitle 1"/>
+          <p:cNvSpPr>
+            <a:spLocks noGrp="true"/>
+          </p:cNvSpPr>
+          <p:nvPr>
+            <p:ph type="subTitle" sz="quarter" idx="1"/>
+          </p:nvPr>
+        </p:nvSpPr>
+        <p:spPr/>
+        <p:txBody>
+          <a:bodyPr/>
+          <a:lstStyle/>
+          <a:p>
+            <a:pPr>
+              <a:defRPr sz="3200"/>
+            </a:pPr>
+            <a:r>
+              <a:t>Using Variables
+</a:t>
+            </a:r>
+            <a:r>
+              <a:rPr b="1"/>
+              <a:t>Adding Scalability
+</a:t>
+            </a:r>
+            <a:endParaRPr b="1"/>
+          </a:p>
+        </p:txBody>
+      </p:sp>
+      <p:sp>
+        <p:nvSpPr>
+          <p:cNvPr id="3" name="Title 2"/>
+          <p:cNvSpPr>
+            <a:spLocks noGrp="true"/>
+          </p:cNvSpPr>
+          <p:nvPr>
+            <p:ph type="ctrTitle" sz="quarter"/>
+          </p:nvPr>
+        </p:nvSpPr>
+        <p:spPr/>
+        <p:txBody>
+          <a:bodyPr/>
+          <a:lstStyle/>
+          <a:p>
+            <a:pPr>
+              <a:defRPr sz="4200"/>
+            </a:pPr>
+            <a:r>
+              <a:t>Adding Scalability</a:t>
             </a:r>
           </a:p>
         </p:txBody>
@@ -10170,7 +10211,7 @@
           <a:lstStyle/>
           <a:p>
             <a:r>
-              <a:t>Auto-Scaling Group (ASG)</a:t>
+              <a:t>Motivation for a Cluster</a:t>
             </a:r>
           </a:p>
         </p:txBody>
@@ -10189,18 +10230,44 @@
         <p:txBody>
           <a:bodyPr/>
           <a:lstStyle/>
-          <a:p/>
-          <a:p/>
-          <a:p/>
-          <a:p/>
-          <a:p/>
-          <a:p/>
-          <a:p/>
-          <a:p/>
-          <a:p/>
-          <a:p/>
-          <a:p/>
-          <a:p/>
+          <a:p>
+            <a:r>
+              <a:t> Running a single server is a good start, but in the real world, a single server is a single point of failure</a:t>
+            </a:r>
+          </a:p>
+          <a:p>
+            <a:r>
+              <a:t> If that server crashes, or if it becomes overloaded from too much traffic, users will be unable to access your site</a:t>
+            </a:r>
+          </a:p>
+          <a:p>
+            <a:r>
+              <a:t> The solution is to run a cluster of servers, routing around servers that go down, and adjusting the size of the cluster up or down based on traffic</a:t>
+            </a:r>
+          </a:p>
+          <a:p>
+            <a:r>
+              <a:t> We will need the following</a:t>
+            </a:r>
+          </a:p>
+          <a:p>
+            <a:pPr lvl="1"/>
+            <a:r>
+              <a:t> Auto-scaling group (ASG)</a:t>
+            </a:r>
+          </a:p>
+          <a:p>
+            <a:pPr lvl="1"/>
+            <a:r>
+              <a:t> VPC</a:t>
+            </a:r>
+          </a:p>
+          <a:p>
+            <a:pPr lvl="1"/>
+            <a:r>
+              <a:t> Load balancer</a:t>
+            </a:r>
+          </a:p>
           <a:p/>
           <a:p/>
         </p:txBody>
@@ -10245,7 +10312,7 @@
       </p:sp>
       <p:pic>
         <p:nvPicPr>
-          <p:cNvPr id="5" name="Picture 4" descr="asg.png"/>
+          <p:cNvPr id="5" name="Picture 4" descr="bigmusclet.png"/>
           <p:cNvPicPr>
             <a:picLocks noChangeAspect="true"/>
           </p:cNvPicPr>
@@ -10259,8 +10326,8 @@
         </p:blipFill>
         <p:spPr>
           <a:xfrm>
-            <a:off x="704088" y="914400"/>
-            <a:ext cx="6724327" cy="5943600"/>
+            <a:off x="3418840" y="4957445"/>
+            <a:ext cx="3616960" cy="2713355"/>
           </a:xfrm>
           <a:prstGeom prst="rect">
             <a:avLst/>
@@ -10301,7 +10368,7 @@
           <a:lstStyle/>
           <a:p>
             <a:r>
-              <a:t>ASG Described in Terraform</a:t>
+              <a:t>Discussion</a:t>
             </a:r>
           </a:p>
         </p:txBody>
@@ -10322,67 +10389,58 @@
           <a:lstStyle/>
           <a:p>
             <a:r>
-              <a:t> To create an ASG, first describe the instance that goes into it</a:t>
+              <a:t> When clusters makes sense and when it is not worth it?</a:t>
+            </a:r>
+          </a:p>
+          <a:p>
+            <a:r>
+              <a:t> Imagine a parallel research app for a cluster that would be rearchitected for Cloud</a:t>
             </a:r>
           </a:p>
           <a:p>
             <a:pPr lvl="1"/>
             <a:r>
-              <a:t> Create a launch configuration</a:t>
+              <a:t> would have instances</a:t>
             </a:r>
           </a:p>
           <a:p>
             <a:pPr lvl="1"/>
             <a:r>
-              <a:t> The</a:t>
+              <a:t> a task dispatcher, etc.</a:t>
+            </a:r>
+          </a:p>
+          <a:p>
+            <a:pPr lvl="1"/>
+            <a:r>
+              <a:t> would have to manage those instances, etc.</a:t>
+            </a:r>
+          </a:p>
+          <a:p>
+            <a:r>
+              <a:t> Alternatives</a:t>
+            </a:r>
+          </a:p>
+          <a:p>
+            <a:pPr lvl="1"/>
+            <a:r>
+              <a:t> Very large instance with 100+ CPUs</a:t>
+            </a:r>
+          </a:p>
+          <a:p>
+            <a:pPr lvl="1"/>
+            <a:r>
+              <a:t> Memory pool from</a:t>
             </a:r>
             <a:r>
               <a:rPr>
-                <a:latin typeface="Courier New" panose="02070309020205020404"/>
-              </a:rPr>
-              <a:t> aws_launch_configuration</a:t>
-            </a:r>
-            <a:r>
-              <a:t> resource</a:t>
-            </a:r>
-          </a:p>
-          <a:p>
-            <a:pPr lvl="2"/>
-            <a:r>
-              <a:t> uses almost exactly the same parameters as the</a:t>
-            </a:r>
-            <a:r>
-              <a:rPr>
-                <a:latin typeface="Courier New" panose="02070309020205020404"/>
-              </a:rPr>
-              <a:t> aws_instance resource</a:t>
-            </a:r>
-            <a:endParaRPr>
-              <a:latin typeface="Courier New" panose="02070309020205020404"/>
-            </a:endParaRPr>
-          </a:p>
-          <a:p>
-            <a:pPr lvl="2"/>
-            <a:r>
-              <a:t> ami is now image_id</a:t>
-            </a:r>
-          </a:p>
-          <a:p>
-            <a:pPr lvl="2"/>
-            <a:r>
-              <a:t> vpc_security_group_ids is now security_groups</a:t>
-            </a:r>
-          </a:p>
-          <a:p>
-            <a:pPr lvl="2"/>
-            <a:r>
-              <a:t> put this instead of</a:t>
-            </a:r>
-          </a:p>
-          <a:p/>
-          <a:p/>
-          <a:p/>
-          <a:p/>
+                <a:hlinkClick r:id="rId1"/>
+              </a:rPr>
+              <a:t> Kove</a:t>
+            </a:r>
+            <a:r>
+              <a:t> </a:t>
+            </a:r>
+          </a:p>
         </p:txBody>
       </p:sp>
       <p:sp>
@@ -10423,30 +10481,6 @@
           </a:p>
         </p:txBody>
       </p:sp>
-      <p:pic>
-        <p:nvPicPr>
-          <p:cNvPr id="5" name="Picture 4" descr="1.png"/>
-          <p:cNvPicPr>
-            <a:picLocks noChangeAspect="true"/>
-          </p:cNvPicPr>
-          <p:nvPr/>
-        </p:nvPicPr>
-        <p:blipFill>
-          <a:blip r:embed="rId1"/>
-          <a:stretch>
-            <a:fillRect/>
-          </a:stretch>
-        </p:blipFill>
-        <p:spPr>
-          <a:xfrm>
-            <a:off x="0" y="4425696"/>
-            <a:ext cx="8636000" cy="3187700"/>
-          </a:xfrm>
-          <a:prstGeom prst="rect">
-            <a:avLst/>
-          </a:prstGeom>
-        </p:spPr>
-      </p:pic>
     </p:spTree>
   </p:cSld>
   <p:clrMapOvr>
@@ -10653,7 +10687,7 @@
           <a:lstStyle/>
           <a:p>
             <a:r>
-              <a:t>The ASG Itself with "aws_autoscaling_group"</a:t>
+              <a:t>Auto-Scaling Group (ASG)</a:t>
             </a:r>
           </a:p>
         </p:txBody>
@@ -10672,39 +10706,15 @@
         <p:txBody>
           <a:bodyPr/>
           <a:lstStyle/>
-          <a:p>
-            <a:r>
-              <a:t> ASG will run between 2 and 10 instances</a:t>
-            </a:r>
-          </a:p>
-          <a:p>
-            <a:r>
-              <a:t> each tagged with the name</a:t>
-            </a:r>
-            <a:r>
-              <a:rPr>
-                <a:latin typeface="Courier New" panose="02070309020205020404"/>
-              </a:rPr>
-              <a:t> terraform-asg-example</a:t>
-            </a:r>
-            <a:endParaRPr>
-              <a:latin typeface="Courier New" panose="02070309020205020404"/>
-            </a:endParaRPr>
-          </a:p>
-          <a:p>
-            <a:r>
-              <a:t> ASG uses a reference to fill in the launch configuration</a:t>
-            </a:r>
-            <a:r>
-              <a:rPr>
-                <a:latin typeface="Courier New" panose="02070309020205020404"/>
-              </a:rPr>
-              <a:t> name</a:t>
-            </a:r>
-            <a:endParaRPr>
-              <a:latin typeface="Courier New" panose="02070309020205020404"/>
-            </a:endParaRPr>
-          </a:p>
+          <a:p/>
+          <a:p/>
+          <a:p/>
+          <a:p/>
+          <a:p/>
+          <a:p/>
+          <a:p/>
+          <a:p/>
+          <a:p/>
           <a:p/>
           <a:p/>
           <a:p/>
@@ -10752,7 +10762,7 @@
       </p:sp>
       <p:pic>
         <p:nvPicPr>
-          <p:cNvPr id="5" name="Picture 4" descr="1.png"/>
+          <p:cNvPr id="5" name="Picture 4" descr="asg.png"/>
           <p:cNvPicPr>
             <a:picLocks noChangeAspect="true"/>
           </p:cNvPicPr>
@@ -10766,8 +10776,8 @@
         </p:blipFill>
         <p:spPr>
           <a:xfrm>
-            <a:off x="0" y="2670048"/>
-            <a:ext cx="8178800" cy="3721100"/>
+            <a:off x="704088" y="914400"/>
+            <a:ext cx="6724327" cy="5943600"/>
           </a:xfrm>
           <a:prstGeom prst="rect">
             <a:avLst/>
@@ -10808,7 +10818,7 @@
           <a:lstStyle/>
           <a:p>
             <a:r>
-              <a:t>"Lifecycle" Setting</a:t>
+              <a:t>ASG Described in Terraform</a:t>
             </a:r>
           </a:p>
         </p:txBody>
@@ -10829,52 +10839,63 @@
           <a:lstStyle/>
           <a:p>
             <a:r>
-              <a:t> Use</a:t>
+              <a:t> To create an ASG, first describe the instance that goes into it</a:t>
+            </a:r>
+          </a:p>
+          <a:p>
+            <a:pPr lvl="1"/>
+            <a:r>
+              <a:t> Create a launch configuration</a:t>
+            </a:r>
+          </a:p>
+          <a:p>
+            <a:pPr lvl="1"/>
+            <a:r>
+              <a:t> The</a:t>
             </a:r>
             <a:r>
               <a:rPr>
                 <a:latin typeface="Courier New" panose="02070309020205020404"/>
               </a:rPr>
-              <a:t> create_before_destroy</a:t>
+              <a:t> aws_launch_configuration</a:t>
+            </a:r>
+            <a:r>
+              <a:t> resource</a:t>
+            </a:r>
+          </a:p>
+          <a:p>
+            <a:pPr lvl="2"/>
+            <a:r>
+              <a:t> uses almost exactly the same parameters as the</a:t>
+            </a:r>
+            <a:r>
+              <a:rPr>
+                <a:latin typeface="Courier New" panose="02070309020205020404"/>
+              </a:rPr>
+              <a:t> aws_instance resource</a:t>
             </a:r>
             <a:endParaRPr>
               <a:latin typeface="Courier New" panose="02070309020205020404"/>
             </a:endParaRPr>
           </a:p>
           <a:p>
-            <a:r>
-              <a:t> If you set</a:t>
-            </a:r>
-            <a:r>
-              <a:rPr>
-                <a:latin typeface="Courier New" panose="02070309020205020404"/>
-              </a:rPr>
-              <a:t> create_before_destroy</a:t>
-            </a:r>
-            <a:r>
-              <a:t> to true</a:t>
-            </a:r>
-          </a:p>
-          <a:p>
-            <a:pPr lvl="1"/>
-            <a:r>
-              <a:t> Terraform will invert the order in which it replaces resources</a:t>
-            </a:r>
-          </a:p>
-          <a:p>
-            <a:pPr lvl="1"/>
-            <a:r>
-              <a:t> create the replacement resource first</a:t>
-            </a:r>
-          </a:p>
-          <a:p>
-            <a:pPr lvl="1"/>
-            <a:r>
-              <a:t> then deleting the old resource</a:t>
-            </a:r>
-          </a:p>
-          <a:p/>
-          <a:p/>
+            <a:pPr lvl="2"/>
+            <a:r>
+              <a:t> ami is now image_id</a:t>
+            </a:r>
+          </a:p>
+          <a:p>
+            <a:pPr lvl="2"/>
+            <a:r>
+              <a:t> vpc_security_group_ids is now security_groups</a:t>
+            </a:r>
+          </a:p>
+          <a:p>
+            <a:pPr lvl="2"/>
+            <a:r>
+              <a:t> put this instead of</a:t>
+            </a:r>
+          </a:p>
           <a:p/>
           <a:p/>
           <a:p/>
@@ -10935,8 +10956,8 @@
         </p:blipFill>
         <p:spPr>
           <a:xfrm>
-            <a:off x="0" y="3547872"/>
-            <a:ext cx="8788400" cy="4254500"/>
+            <a:off x="0" y="4425696"/>
+            <a:ext cx="8636000" cy="3187700"/>
           </a:xfrm>
           <a:prstGeom prst="rect">
             <a:avLst/>
@@ -10977,7 +10998,11 @@
           <a:lstStyle/>
           <a:p>
             <a:r>
-              <a:t>One More Parameter: "subnet_ids"</a:t>
+              <a:rPr lang=""/>
+              <a:t>A</a:t>
+            </a:r>
+            <a:r>
+              <a:t>SG with "aws_autoscaling_group"</a:t>
             </a:r>
           </a:p>
         </p:txBody>
@@ -10998,39 +11023,42 @@
           <a:lstStyle/>
           <a:p>
             <a:r>
-              <a:t> specifies to the ASG into which VPC subnets the EC2 Instances should be deployed</a:t>
-            </a:r>
-          </a:p>
-          <a:p>
-            <a:r>
-              <a:t> Each subnet lives in an isolated AWS AZ</a:t>
-            </a:r>
-          </a:p>
-          <a:p>
-            <a:r>
-              <a:t> By deploying your instances across multiple subnets</a:t>
-            </a:r>
-          </a:p>
-          <a:p>
-            <a:pPr lvl="1"/>
-            <a:r>
-              <a:t> you make it fault-tolerant</a:t>
-            </a:r>
-          </a:p>
-          <a:p>
-            <a:r>
-              <a:t> Instead of hard-coding the list of subnet, we will get them</a:t>
+              <a:t> ASG will run between 2 and 10 instances</a:t>
+            </a:r>
+          </a:p>
+          <a:p>
+            <a:r>
+              <a:t> each tagged with the name</a:t>
             </a:r>
             <a:r>
               <a:rPr>
                 <a:latin typeface="Courier New" panose="02070309020205020404"/>
               </a:rPr>
-              <a:t> data sources</a:t>
+              <a:t> terraform-asg-example</a:t>
             </a:r>
             <a:endParaRPr>
               <a:latin typeface="Courier New" panose="02070309020205020404"/>
             </a:endParaRPr>
           </a:p>
+          <a:p>
+            <a:r>
+              <a:t> ASG uses a reference to fill in the launch configuration</a:t>
+            </a:r>
+            <a:r>
+              <a:rPr>
+                <a:latin typeface="Courier New" panose="02070309020205020404"/>
+              </a:rPr>
+              <a:t> name</a:t>
+            </a:r>
+            <a:endParaRPr>
+              <a:latin typeface="Courier New" panose="02070309020205020404"/>
+            </a:endParaRPr>
+          </a:p>
+          <a:p/>
+          <a:p/>
+          <a:p/>
+          <a:p/>
+          <a:p/>
         </p:txBody>
       </p:sp>
       <p:sp>
@@ -11071,6 +11099,30 @@
           </a:p>
         </p:txBody>
       </p:sp>
+      <p:pic>
+        <p:nvPicPr>
+          <p:cNvPr id="5" name="Picture 4" descr="1.png"/>
+          <p:cNvPicPr>
+            <a:picLocks noChangeAspect="true"/>
+          </p:cNvPicPr>
+          <p:nvPr/>
+        </p:nvPicPr>
+        <p:blipFill>
+          <a:blip r:embed="rId1"/>
+          <a:stretch>
+            <a:fillRect/>
+          </a:stretch>
+        </p:blipFill>
+        <p:spPr>
+          <a:xfrm>
+            <a:off x="0" y="2670048"/>
+            <a:ext cx="8178800" cy="3721100"/>
+          </a:xfrm>
+          <a:prstGeom prst="rect">
+            <a:avLst/>
+          </a:prstGeom>
+        </p:spPr>
+      </p:pic>
     </p:spTree>
   </p:cSld>
   <p:clrMapOvr>
@@ -11105,7 +11157,7 @@
           <a:lstStyle/>
           <a:p>
             <a:r>
-              <a:t>Data Sources</a:t>
+              <a:t>"Lifecycle" Setting</a:t>
             </a:r>
           </a:p>
         </p:txBody>
@@ -11125,62 +11177,57 @@
           <a:bodyPr/>
           <a:lstStyle/>
           <a:p>
+            <a:r>
+              <a:t> Use</a:t>
+            </a:r>
             <a:r>
               <a:rPr>
                 <a:latin typeface="Courier New" panose="02070309020205020404"/>
               </a:rPr>
-              <a:t> data source</a:t>
-            </a:r>
-            <a:r>
-              <a:t> a piece of read-only information that is fetched from the provider (in this case, AWS) every time you run Terraform</a:t>
-            </a:r>
-          </a:p>
-          <a:p>
+              <a:t> create_before_destroy</a:t>
+            </a:r>
+            <a:endParaRPr>
+              <a:latin typeface="Courier New" panose="02070309020205020404"/>
+            </a:endParaRPr>
+          </a:p>
+          <a:p>
+            <a:r>
+              <a:t> If you set</a:t>
+            </a:r>
             <a:r>
               <a:rPr>
                 <a:latin typeface="Courier New" panose="02070309020205020404"/>
               </a:rPr>
-              <a:t> data source</a:t>
-            </a:r>
-            <a:r>
-              <a:t> in your configurations is a way to query the provider’s APIs for data</a:t>
-            </a:r>
-          </a:p>
-          <a:p>
-            <a:r>
-              <a:t> AWS data sources include</a:t>
+              <a:t> create_before_destroy</a:t>
+            </a:r>
+            <a:r>
+              <a:t> to true</a:t>
             </a:r>
           </a:p>
           <a:p>
             <a:pPr lvl="1"/>
             <a:r>
-              <a:t> VPC data</a:t>
+              <a:t> Terraform will invert the order in which it replaces resources</a:t>
             </a:r>
           </a:p>
           <a:p>
             <a:pPr lvl="1"/>
             <a:r>
-              <a:t> subnet data</a:t>
+              <a:t> create the replacement resource first</a:t>
             </a:r>
           </a:p>
           <a:p>
             <a:pPr lvl="1"/>
             <a:r>
-              <a:t> AMI IDs</a:t>
-            </a:r>
-          </a:p>
-          <a:p>
-            <a:pPr lvl="1"/>
-            <a:r>
-              <a:t> IP address ranges</a:t>
-            </a:r>
-          </a:p>
-          <a:p>
-            <a:pPr lvl="1"/>
-            <a:r>
-              <a:t> more</a:t>
-            </a:r>
-          </a:p>
+              <a:t> then deleting the old resource</a:t>
+            </a:r>
+          </a:p>
+          <a:p/>
+          <a:p/>
+          <a:p/>
+          <a:p/>
+          <a:p/>
+          <a:p/>
         </p:txBody>
       </p:sp>
       <p:sp>
@@ -11221,6 +11268,30 @@
           </a:p>
         </p:txBody>
       </p:sp>
+      <p:pic>
+        <p:nvPicPr>
+          <p:cNvPr id="5" name="Picture 4" descr="1.png"/>
+          <p:cNvPicPr>
+            <a:picLocks noChangeAspect="true"/>
+          </p:cNvPicPr>
+          <p:nvPr/>
+        </p:nvPicPr>
+        <p:blipFill>
+          <a:blip r:embed="rId1"/>
+          <a:stretch>
+            <a:fillRect/>
+          </a:stretch>
+        </p:blipFill>
+        <p:spPr>
+          <a:xfrm>
+            <a:off x="0" y="3547872"/>
+            <a:ext cx="8788400" cy="4254500"/>
+          </a:xfrm>
+          <a:prstGeom prst="rect">
+            <a:avLst/>
+          </a:prstGeom>
+        </p:spPr>
+      </p:pic>
     </p:spTree>
   </p:cSld>
   <p:clrMapOvr>
@@ -11255,7 +11326,7 @@
           <a:lstStyle/>
           <a:p>
             <a:r>
-              <a:t>Data Source Syntax</a:t>
+              <a:t>One More Parameter: "subnet_ids"</a:t>
             </a:r>
           </a:p>
         </p:txBody>
@@ -11274,15 +11345,41 @@
         <p:txBody>
           <a:bodyPr/>
           <a:lstStyle/>
-          <a:p/>
-          <a:p/>
-          <a:p>
-            <a:r>
-              <a:t> Example: Do I have the default VPC?</a:t>
-            </a:r>
-          </a:p>
-          <a:p/>
-          <a:p/>
+          <a:p>
+            <a:r>
+              <a:t> specifies to the ASG into which VPC subnets the EC2 Instances should be deployed</a:t>
+            </a:r>
+          </a:p>
+          <a:p>
+            <a:r>
+              <a:t> Each subnet lives in an isolated AWS AZ</a:t>
+            </a:r>
+          </a:p>
+          <a:p>
+            <a:r>
+              <a:t> By deploying your instances across multiple subnets</a:t>
+            </a:r>
+          </a:p>
+          <a:p>
+            <a:pPr lvl="1"/>
+            <a:r>
+              <a:t> you make it fault-tolerant</a:t>
+            </a:r>
+          </a:p>
+          <a:p>
+            <a:r>
+              <a:t> Instead of hard-coding the list of subnet, we will get them</a:t>
+            </a:r>
+            <a:r>
+              <a:rPr>
+                <a:latin typeface="Courier New" panose="02070309020205020404"/>
+              </a:rPr>
+              <a:t> data sources</a:t>
+            </a:r>
+            <a:endParaRPr>
+              <a:latin typeface="Courier New" panose="02070309020205020404"/>
+            </a:endParaRPr>
+          </a:p>
         </p:txBody>
       </p:sp>
       <p:sp>
@@ -11323,54 +11420,6 @@
           </a:p>
         </p:txBody>
       </p:sp>
-      <p:pic>
-        <p:nvPicPr>
-          <p:cNvPr id="5" name="Picture 4" descr="1.png"/>
-          <p:cNvPicPr>
-            <a:picLocks noChangeAspect="true"/>
-          </p:cNvPicPr>
-          <p:nvPr/>
-        </p:nvPicPr>
-        <p:blipFill>
-          <a:blip r:embed="rId1"/>
-          <a:stretch>
-            <a:fillRect/>
-          </a:stretch>
-        </p:blipFill>
-        <p:spPr>
-          <a:xfrm>
-            <a:off x="0" y="914400"/>
-            <a:ext cx="6045200" cy="1054100"/>
-          </a:xfrm>
-          <a:prstGeom prst="rect">
-            <a:avLst/>
-          </a:prstGeom>
-        </p:spPr>
-      </p:pic>
-      <p:pic>
-        <p:nvPicPr>
-          <p:cNvPr id="6" name="Picture 5" descr="1.png"/>
-          <p:cNvPicPr>
-            <a:picLocks noChangeAspect="true"/>
-          </p:cNvPicPr>
-          <p:nvPr/>
-        </p:nvPicPr>
-        <p:blipFill>
-          <a:blip r:embed="rId2"/>
-          <a:stretch>
-            <a:fillRect/>
-          </a:stretch>
-        </p:blipFill>
-        <p:spPr>
-          <a:xfrm>
-            <a:off x="0" y="2231136"/>
-            <a:ext cx="4673600" cy="1054100"/>
-          </a:xfrm>
-          <a:prstGeom prst="rect">
-            <a:avLst/>
-          </a:prstGeom>
-        </p:spPr>
-      </p:pic>
     </p:spTree>
   </p:cSld>
   <p:clrMapOvr>
@@ -11405,7 +11454,7 @@
           <a:lstStyle/>
           <a:p>
             <a:r>
-              <a:t>Getting data for "data source"</a:t>
+              <a:t>Data Sources</a:t>
             </a:r>
           </a:p>
         </p:txBody>
@@ -11424,25 +11473,15 @@
         <p:txBody>
           <a:bodyPr/>
           <a:lstStyle/>
-          <a:p>
-            <a:r>
-              <a:t> Syntax</a:t>
-            </a:r>
-          </a:p>
           <a:p>
             <a:r>
               <a:rPr>
                 <a:latin typeface="Courier New" panose="02070309020205020404"/>
               </a:rPr>
-              <a:t> data.&lt;PROVIDER&gt;_&lt;TYPE&gt;.&lt;NAME&gt;.&lt;ATTRIBUTE&gt;</a:t>
-            </a:r>
-            <a:endParaRPr>
-              <a:latin typeface="Courier New" panose="02070309020205020404"/>
-            </a:endParaRPr>
-          </a:p>
-          <a:p>
-            <a:r>
-              <a:t> Example</a:t>
+              <a:t> data source</a:t>
+            </a:r>
+            <a:r>
+              <a:t> a piece of read-only information that is fetched from the provider (in this case, AWS) every time you run Terraform</a:t>
             </a:r>
           </a:p>
           <a:p>
@@ -11450,19 +11489,47 @@
               <a:rPr>
                 <a:latin typeface="Courier New" panose="02070309020205020404"/>
               </a:rPr>
-              <a:t> data.aws_vpc.default.id</a:t>
-            </a:r>
-            <a:endParaRPr>
-              <a:latin typeface="Courier New" panose="02070309020205020404"/>
-            </a:endParaRPr>
-          </a:p>
-          <a:p>
-            <a:r>
-              <a:t> With this, you can find out the default subnet id</a:t>
-            </a:r>
-          </a:p>
-          <a:p/>
-          <a:p/>
+              <a:t> data source</a:t>
+            </a:r>
+            <a:r>
+              <a:t> in your configurations is a way to query the provider’s APIs for data</a:t>
+            </a:r>
+          </a:p>
+          <a:p>
+            <a:r>
+              <a:t> AWS data sources include</a:t>
+            </a:r>
+          </a:p>
+          <a:p>
+            <a:pPr lvl="1"/>
+            <a:r>
+              <a:t> VPC data</a:t>
+            </a:r>
+          </a:p>
+          <a:p>
+            <a:pPr lvl="1"/>
+            <a:r>
+              <a:t> subnet data</a:t>
+            </a:r>
+          </a:p>
+          <a:p>
+            <a:pPr lvl="1"/>
+            <a:r>
+              <a:t> AMI IDs</a:t>
+            </a:r>
+          </a:p>
+          <a:p>
+            <a:pPr lvl="1"/>
+            <a:r>
+              <a:t> IP address ranges</a:t>
+            </a:r>
+          </a:p>
+          <a:p>
+            <a:pPr lvl="1"/>
+            <a:r>
+              <a:t> more</a:t>
+            </a:r>
+          </a:p>
         </p:txBody>
       </p:sp>
       <p:sp>
@@ -11503,30 +11570,6 @@
           </a:p>
         </p:txBody>
       </p:sp>
-      <p:pic>
-        <p:nvPicPr>
-          <p:cNvPr id="5" name="Picture 4" descr="1.png"/>
-          <p:cNvPicPr>
-            <a:picLocks noChangeAspect="true"/>
-          </p:cNvPicPr>
-          <p:nvPr/>
-        </p:nvPicPr>
-        <p:blipFill>
-          <a:blip r:embed="rId1"/>
-          <a:stretch>
-            <a:fillRect/>
-          </a:stretch>
-        </p:blipFill>
-        <p:spPr>
-          <a:xfrm>
-            <a:off x="30480" y="3530600"/>
-            <a:ext cx="5892800" cy="1054100"/>
-          </a:xfrm>
-          <a:prstGeom prst="rect">
-            <a:avLst/>
-          </a:prstGeom>
-        </p:spPr>
-      </p:pic>
     </p:spTree>
   </p:cSld>
   <p:clrMapOvr>
@@ -11561,7 +11604,7 @@
           <a:lstStyle/>
           <a:p>
             <a:r>
-              <a:t>Use the Default Subnet id</a:t>
+              <a:t>Data Source Syntax</a:t>
             </a:r>
           </a:p>
         </p:txBody>
@@ -11580,28 +11623,13 @@
         <p:txBody>
           <a:bodyPr/>
           <a:lstStyle/>
-          <a:p>
-            <a:r>
-              <a:t> Pull the subnet IDs out of the aws_subnet_ids data source</a:t>
-            </a:r>
-          </a:p>
-          <a:p>
-            <a:r>
-              <a:t> Tell your ASG to use those subnets via the</a:t>
-            </a:r>
-            <a:r>
-              <a:rPr>
-                <a:latin typeface="Courier New" panose="02070309020205020404"/>
-              </a:rPr>
-              <a:t> vpc_zone_identifier</a:t>
-            </a:r>
-            <a:r>
-              <a:t> argument</a:t>
-            </a:r>
-          </a:p>
-          <a:p/>
-          <a:p/>
-          <a:p/>
+          <a:p/>
+          <a:p/>
+          <a:p>
+            <a:r>
+              <a:t> Example: Do I have the default VPC?</a:t>
+            </a:r>
+          </a:p>
           <a:p/>
           <a:p/>
         </p:txBody>
@@ -11660,8 +11688,32 @@
         </p:blipFill>
         <p:spPr>
           <a:xfrm>
-            <a:off x="0" y="2630170"/>
-            <a:ext cx="9070975" cy="3322320"/>
+            <a:off x="0" y="914400"/>
+            <a:ext cx="6045200" cy="1054100"/>
+          </a:xfrm>
+          <a:prstGeom prst="rect">
+            <a:avLst/>
+          </a:prstGeom>
+        </p:spPr>
+      </p:pic>
+      <p:pic>
+        <p:nvPicPr>
+          <p:cNvPr id="6" name="Picture 5" descr="1.png"/>
+          <p:cNvPicPr>
+            <a:picLocks noChangeAspect="true"/>
+          </p:cNvPicPr>
+          <p:nvPr/>
+        </p:nvPicPr>
+        <p:blipFill>
+          <a:blip r:embed="rId2"/>
+          <a:stretch>
+            <a:fillRect/>
+          </a:stretch>
+        </p:blipFill>
+        <p:spPr>
+          <a:xfrm>
+            <a:off x="0" y="2231136"/>
+            <a:ext cx="4673600" cy="1054100"/>
           </a:xfrm>
           <a:prstGeom prst="rect">
             <a:avLst/>
@@ -11702,7 +11754,7 @@
           <a:lstStyle/>
           <a:p>
             <a:r>
-              <a:t>Load Balancer</a:t>
+              <a:t>Getting data for "data source"</a:t>
             </a:r>
           </a:p>
         </p:txBody>
@@ -11721,18 +11773,43 @@
         <p:txBody>
           <a:bodyPr/>
           <a:lstStyle/>
-          <a:p/>
-          <a:p/>
-          <a:p/>
-          <a:p/>
-          <a:p/>
-          <a:p/>
-          <a:p/>
-          <a:p/>
-          <a:p/>
-          <a:p/>
-          <a:p/>
-          <a:p/>
+          <a:p>
+            <a:r>
+              <a:t> Syntax</a:t>
+            </a:r>
+          </a:p>
+          <a:p>
+            <a:r>
+              <a:rPr>
+                <a:latin typeface="Courier New" panose="02070309020205020404"/>
+              </a:rPr>
+              <a:t> data.&lt;PROVIDER&gt;_&lt;TYPE&gt;.&lt;NAME&gt;.&lt;ATTRIBUTE&gt;</a:t>
+            </a:r>
+            <a:endParaRPr>
+              <a:latin typeface="Courier New" panose="02070309020205020404"/>
+            </a:endParaRPr>
+          </a:p>
+          <a:p>
+            <a:r>
+              <a:t> Example</a:t>
+            </a:r>
+          </a:p>
+          <a:p>
+            <a:r>
+              <a:rPr>
+                <a:latin typeface="Courier New" panose="02070309020205020404"/>
+              </a:rPr>
+              <a:t> data.aws_vpc.default.id</a:t>
+            </a:r>
+            <a:endParaRPr>
+              <a:latin typeface="Courier New" panose="02070309020205020404"/>
+            </a:endParaRPr>
+          </a:p>
+          <a:p>
+            <a:r>
+              <a:t> With this, you can find out the default subnet id</a:t>
+            </a:r>
+          </a:p>
           <a:p/>
           <a:p/>
         </p:txBody>
@@ -11777,7 +11854,7 @@
       </p:sp>
       <p:pic>
         <p:nvPicPr>
-          <p:cNvPr id="5" name="Picture 4" descr="load-balancer.png"/>
+          <p:cNvPr id="5" name="Picture 4" descr="1.png"/>
           <p:cNvPicPr>
             <a:picLocks noChangeAspect="true"/>
           </p:cNvPicPr>
@@ -11791,8 +11868,8 @@
         </p:blipFill>
         <p:spPr>
           <a:xfrm>
-            <a:off x="704088" y="914400"/>
-            <a:ext cx="7381875" cy="5876925"/>
+            <a:off x="30480" y="3530600"/>
+            <a:ext cx="5892800" cy="1054100"/>
           </a:xfrm>
           <a:prstGeom prst="rect">
             <a:avLst/>
@@ -11833,7 +11910,7 @@
           <a:lstStyle/>
           <a:p>
             <a:r>
-              <a:t>Using Load Balancer</a:t>
+              <a:t>Use the Default Subnet id</a:t>
             </a:r>
           </a:p>
         </p:txBody>
@@ -11854,54 +11931,26 @@
           <a:lstStyle/>
           <a:p>
             <a:r>
-              <a:t> Problem</a:t>
-            </a:r>
-          </a:p>
-          <a:p>
-            <a:pPr lvl="1"/>
-            <a:r>
-              <a:t> you now have multiple servers, each with its own IP address</a:t>
-            </a:r>
-          </a:p>
-          <a:p>
-            <a:pPr lvl="1"/>
-            <a:r>
-              <a:t> you want to give of your end users only a single IP to use</a:t>
-            </a:r>
-          </a:p>
-          <a:p>
-            <a:r>
-              <a:t> Solution</a:t>
-            </a:r>
-          </a:p>
-          <a:p>
-            <a:pPr lvl="1"/>
-            <a:r>
-              <a:t> deploy a load balancer to distribute traffic across your servers</a:t>
-            </a:r>
-          </a:p>
-          <a:p>
-            <a:r>
-              <a:t> Advantage</a:t>
-            </a:r>
-          </a:p>
-          <a:p>
-            <a:pPr lvl="1"/>
-            <a:r>
-              <a:t> highly available and scalable</a:t>
-            </a:r>
-          </a:p>
-          <a:p>
-            <a:r>
-              <a:t> ELB to the rescue</a:t>
-            </a:r>
-          </a:p>
-          <a:p>
-            <a:pPr lvl="1"/>
-            <a:r>
-              <a:t> Amazon’s Elastic Load Balancer (ELB) service</a:t>
-            </a:r>
-          </a:p>
+              <a:t> Pull the subnet IDs out of the aws_subnet_ids data source</a:t>
+            </a:r>
+          </a:p>
+          <a:p>
+            <a:r>
+              <a:t> Tell your ASG to use those subnets via the</a:t>
+            </a:r>
+            <a:r>
+              <a:rPr>
+                <a:latin typeface="Courier New" panose="02070309020205020404"/>
+              </a:rPr>
+              <a:t> vpc_zone_identifier</a:t>
+            </a:r>
+            <a:r>
+              <a:t> argument</a:t>
+            </a:r>
+          </a:p>
+          <a:p/>
+          <a:p/>
+          <a:p/>
           <a:p/>
           <a:p/>
         </p:txBody>
@@ -11946,7 +11995,7 @@
       </p:sp>
       <p:pic>
         <p:nvPicPr>
-          <p:cNvPr id="5" name="Picture 4" descr="elb.png"/>
+          <p:cNvPr id="5" name="Picture 4" descr="1.png"/>
           <p:cNvPicPr>
             <a:picLocks noChangeAspect="true"/>
           </p:cNvPicPr>
@@ -11960,8 +12009,8 @@
         </p:blipFill>
         <p:spPr>
           <a:xfrm>
-            <a:off x="704088" y="6181344"/>
-            <a:ext cx="1054100" cy="1003300"/>
+            <a:off x="0" y="2630170"/>
+            <a:ext cx="9070975" cy="3322320"/>
           </a:xfrm>
           <a:prstGeom prst="rect">
             <a:avLst/>
@@ -12002,7 +12051,7 @@
           <a:lstStyle/>
           <a:p>
             <a:r>
-              <a:t>Load Balancer Types</a:t>
+              <a:t>Load Balancer</a:t>
             </a:r>
           </a:p>
         </p:txBody>
@@ -12021,39 +12070,20 @@
         <p:txBody>
           <a:bodyPr/>
           <a:lstStyle/>
-          <a:p>
-            <a:r>
-              <a:t> Application Load Balancer (ALB)</a:t>
-            </a:r>
-          </a:p>
-          <a:p>
-            <a:pPr lvl="1"/>
-            <a:r>
-              <a:t> Best suited for load balancing of HTTP and HTTPS traffic</a:t>
-            </a:r>
-          </a:p>
-          <a:p>
-            <a:r>
-              <a:t> Network Load Balancer (NLB)</a:t>
-            </a:r>
-          </a:p>
-          <a:p>
-            <a:pPr lvl="1"/>
-            <a:r>
-              <a:t> Best suited for load balancing of TCP, UDP, and TLS traffic. Can scale up and down in response to load faster than the ALB (the NLB is designed to scale to tens of millions of requests per second). Operates at the transport layer (Layer 4) of the OSI model.</a:t>
-            </a:r>
-          </a:p>
-          <a:p>
-            <a:r>
-              <a:t> Classic Load Balancer (CLB)</a:t>
-            </a:r>
-          </a:p>
-          <a:p>
-            <a:pPr lvl="1"/>
-            <a:r>
-              <a:t> This is the “legacy” load balancer that predates both the ALB and NLB. It can handle HTTP, HTTPS, TCP, and TLS traffic, but with far fewer features than either the ALB or NLB. Operates at both the application layer (L7) and transport layer (L4) of the OSI model.</a:t>
-            </a:r>
-          </a:p>
+          <a:p/>
+          <a:p/>
+          <a:p/>
+          <a:p/>
+          <a:p/>
+          <a:p/>
+          <a:p/>
+          <a:p/>
+          <a:p/>
+          <a:p/>
+          <a:p/>
+          <a:p/>
+          <a:p/>
+          <a:p/>
         </p:txBody>
       </p:sp>
       <p:sp>
@@ -12094,6 +12124,30 @@
           </a:p>
         </p:txBody>
       </p:sp>
+      <p:pic>
+        <p:nvPicPr>
+          <p:cNvPr id="5" name="Picture 4" descr="load-balancer.png"/>
+          <p:cNvPicPr>
+            <a:picLocks noChangeAspect="true"/>
+          </p:cNvPicPr>
+          <p:nvPr/>
+        </p:nvPicPr>
+        <p:blipFill>
+          <a:blip r:embed="rId1"/>
+          <a:stretch>
+            <a:fillRect/>
+          </a:stretch>
+        </p:blipFill>
+        <p:spPr>
+          <a:xfrm>
+            <a:off x="704088" y="914400"/>
+            <a:ext cx="7381875" cy="5876925"/>
+          </a:xfrm>
+          <a:prstGeom prst="rect">
+            <a:avLst/>
+          </a:prstGeom>
+        </p:spPr>
+      </p:pic>
     </p:spTree>
   </p:cSld>
   <p:clrMapOvr>
@@ -12294,7 +12348,7 @@
           <a:lstStyle/>
           <a:p>
             <a:r>
-              <a:t>Application Load Balancer (ALB)</a:t>
+              <a:t>Using Load Balancer</a:t>
             </a:r>
           </a:p>
         </p:txBody>
@@ -12313,10 +12367,56 @@
         <p:txBody>
           <a:bodyPr/>
           <a:lstStyle/>
-          <a:p/>
-          <a:p/>
-          <a:p/>
-          <a:p/>
+          <a:p>
+            <a:r>
+              <a:t> Problem</a:t>
+            </a:r>
+          </a:p>
+          <a:p>
+            <a:pPr lvl="1"/>
+            <a:r>
+              <a:t> you now have multiple servers, each with its own IP address</a:t>
+            </a:r>
+          </a:p>
+          <a:p>
+            <a:pPr lvl="1"/>
+            <a:r>
+              <a:t> you want to give of your end users only a single IP to use</a:t>
+            </a:r>
+          </a:p>
+          <a:p>
+            <a:r>
+              <a:t> Solution</a:t>
+            </a:r>
+          </a:p>
+          <a:p>
+            <a:pPr lvl="1"/>
+            <a:r>
+              <a:t> deploy a load balancer to distribute traffic across your servers</a:t>
+            </a:r>
+          </a:p>
+          <a:p>
+            <a:r>
+              <a:t> Advantage</a:t>
+            </a:r>
+          </a:p>
+          <a:p>
+            <a:pPr lvl="1"/>
+            <a:r>
+              <a:t> highly available and scalable</a:t>
+            </a:r>
+          </a:p>
+          <a:p>
+            <a:r>
+              <a:t> ELB to the rescue</a:t>
+            </a:r>
+          </a:p>
+          <a:p>
+            <a:pPr lvl="1"/>
+            <a:r>
+              <a:t> Amazon’s Elastic Load Balancer (ELB) service</a:t>
+            </a:r>
+          </a:p>
           <a:p/>
           <a:p/>
         </p:txBody>
@@ -12361,7 +12461,7 @@
       </p:sp>
       <p:pic>
         <p:nvPicPr>
-          <p:cNvPr id="5" name="Picture 4" descr="alb.png"/>
+          <p:cNvPr id="5" name="Picture 4" descr="elb.png"/>
           <p:cNvPicPr>
             <a:picLocks noChangeAspect="true"/>
           </p:cNvPicPr>
@@ -12375,8 +12475,8 @@
         </p:blipFill>
         <p:spPr>
           <a:xfrm>
-            <a:off x="580390" y="1490345"/>
-            <a:ext cx="8458200" cy="2706370"/>
+            <a:off x="704088" y="6181344"/>
+            <a:ext cx="1054100" cy="1003300"/>
           </a:xfrm>
           <a:prstGeom prst="rect">
             <a:avLst/>
@@ -12417,8 +12517,13 @@
           <a:lstStyle/>
           <a:p>
             <a:r>
-              <a:t>ALB Configuration</a:t>
-            </a:r>
+              <a:t>Lab: </a:t>
+            </a:r>
+            <a:r>
+              <a:rPr lang="" altLang="en-US"/>
+              <a:t>Creating a load balance</a:t>
+            </a:r>
+            <a:endParaRPr lang="" altLang="en-US"/>
           </a:p>
         </p:txBody>
       </p:sp>
@@ -12436,8 +12541,41 @@
         <p:txBody>
           <a:bodyPr/>
           <a:lstStyle/>
-          <a:p/>
-          <a:p/>
+          <a:p>
+            <a:r>
+              <a:rPr lang=""/>
+              <a:t>Please do the following lab</a:t>
+            </a:r>
+            <a:endParaRPr lang=""/>
+          </a:p>
+          <a:p>
+            <a:r>
+              <a:rPr lang="">
+                <a:sym typeface="+mn-ea"/>
+              </a:rPr>
+              <a:t>terraform-up-and-running-code/labs/lab02-3-prep.md</a:t>
+            </a:r>
+            <a:endParaRPr lang="">
+              <a:sym typeface="+mn-ea"/>
+            </a:endParaRPr>
+          </a:p>
+          <a:p>
+            <a:r>
+              <a:rPr lang="">
+                <a:sym typeface="+mn-ea"/>
+                <a:hlinkClick r:id="rId1" tooltip="" action="ppaction://hlinkfile"/>
+              </a:rPr>
+              <a:t>https://github.com/elephantscale/terraform-up-and-running-code/blob/master/labs/lab02-3-prep.md</a:t>
+            </a:r>
+            <a:endParaRPr lang="">
+              <a:sym typeface="+mn-ea"/>
+            </a:endParaRPr>
+          </a:p>
+          <a:p>
+            <a:endParaRPr lang="">
+              <a:sym typeface="+mn-ea"/>
+            </a:endParaRPr>
+          </a:p>
         </p:txBody>
       </p:sp>
       <p:sp>
@@ -12478,30 +12616,6 @@
           </a:p>
         </p:txBody>
       </p:sp>
-      <p:pic>
-        <p:nvPicPr>
-          <p:cNvPr id="5" name="Picture 4" descr="1.png"/>
-          <p:cNvPicPr>
-            <a:picLocks noChangeAspect="true"/>
-          </p:cNvPicPr>
-          <p:nvPr/>
-        </p:nvPicPr>
-        <p:blipFill>
-          <a:blip r:embed="rId1"/>
-          <a:stretch>
-            <a:fillRect/>
-          </a:stretch>
-        </p:blipFill>
-        <p:spPr>
-          <a:xfrm>
-            <a:off x="0" y="914400"/>
-            <a:ext cx="8940800" cy="1587500"/>
-          </a:xfrm>
-          <a:prstGeom prst="rect">
-            <a:avLst/>
-          </a:prstGeom>
-        </p:spPr>
-      </p:pic>
     </p:spTree>
   </p:cSld>
   <p:clrMapOvr>
@@ -12536,7 +12650,7 @@
           <a:lstStyle/>
           <a:p>
             <a:r>
-              <a:t>ALB Listener</a:t>
+              <a:t>Load Balancer Types</a:t>
             </a:r>
           </a:p>
         </p:txBody>
@@ -12555,12 +12669,39 @@
         <p:txBody>
           <a:bodyPr/>
           <a:lstStyle/>
-          <a:p/>
-          <a:p/>
-          <a:p/>
-          <a:p/>
-          <a:p/>
-          <a:p/>
+          <a:p>
+            <a:r>
+              <a:t> Application Load Balancer (ALB)</a:t>
+            </a:r>
+          </a:p>
+          <a:p>
+            <a:pPr lvl="1"/>
+            <a:r>
+              <a:t> Best suited for load balancing of HTTP and HTTPS traffic</a:t>
+            </a:r>
+          </a:p>
+          <a:p>
+            <a:r>
+              <a:t> Network Load Balancer (NLB)</a:t>
+            </a:r>
+          </a:p>
+          <a:p>
+            <a:pPr lvl="1"/>
+            <a:r>
+              <a:t> Best suited for load balancing of TCP, UDP, and TLS traffic. Can scale up and down in response to load faster than the ALB (the NLB is designed to scale to tens of millions of requests per second). Operates at the transport layer (Layer 4) of the OSI model.</a:t>
+            </a:r>
+          </a:p>
+          <a:p>
+            <a:r>
+              <a:t> Classic Load Balancer (CLB)</a:t>
+            </a:r>
+          </a:p>
+          <a:p>
+            <a:pPr lvl="1"/>
+            <a:r>
+              <a:t> This is the “legacy” load balancer that predates both the ALB and NLB. It can handle HTTP, HTTPS, TCP, and TLS traffic, but with far fewer features than either the ALB or NLB. Operates at both the application layer (L7) and transport layer (L4) of the OSI model.</a:t>
+            </a:r>
+          </a:p>
         </p:txBody>
       </p:sp>
       <p:sp>
@@ -12601,30 +12742,6 @@
           </a:p>
         </p:txBody>
       </p:sp>
-      <p:pic>
-        <p:nvPicPr>
-          <p:cNvPr id="5" name="Picture 4" descr="1.png"/>
-          <p:cNvPicPr>
-            <a:picLocks noChangeAspect="true"/>
-          </p:cNvPicPr>
-          <p:nvPr/>
-        </p:nvPicPr>
-        <p:blipFill>
-          <a:blip r:embed="rId1"/>
-          <a:stretch>
-            <a:fillRect/>
-          </a:stretch>
-        </p:blipFill>
-        <p:spPr>
-          <a:xfrm>
-            <a:off x="0" y="914400"/>
-            <a:ext cx="7112000" cy="4521200"/>
-          </a:xfrm>
-          <a:prstGeom prst="rect">
-            <a:avLst/>
-          </a:prstGeom>
-        </p:spPr>
-      </p:pic>
     </p:spTree>
   </p:cSld>
   <p:clrMapOvr>
@@ -12659,7 +12776,7 @@
           <a:lstStyle/>
           <a:p>
             <a:r>
-              <a:t>Security Group for ALB</a:t>
+              <a:t>Application Load Balancer (ALB)</a:t>
             </a:r>
           </a:p>
         </p:txBody>
@@ -12678,7 +12795,6 @@
         <p:txBody>
           <a:bodyPr/>
           <a:lstStyle/>
-          <a:p/>
           <a:p/>
           <a:p/>
           <a:p/>
@@ -12727,7 +12843,7 @@
       </p:sp>
       <p:pic>
         <p:nvPicPr>
-          <p:cNvPr id="5" name="Picture 4" descr="1.png"/>
+          <p:cNvPr id="5" name="Picture 4" descr="alb.png"/>
           <p:cNvPicPr>
             <a:picLocks noChangeAspect="true"/>
           </p:cNvPicPr>
@@ -12741,8 +12857,8 @@
         </p:blipFill>
         <p:spPr>
           <a:xfrm>
-            <a:off x="0" y="914400"/>
-            <a:ext cx="6350000" cy="5321300"/>
+            <a:off x="580390" y="1490345"/>
+            <a:ext cx="8458200" cy="2706370"/>
           </a:xfrm>
           <a:prstGeom prst="rect">
             <a:avLst/>
@@ -12783,7 +12899,7 @@
           <a:lstStyle/>
           <a:p>
             <a:r>
-              <a:t>"aws_lb resource" to Use Our Security Group</a:t>
+              <a:t>ALB Configuration</a:t>
             </a:r>
           </a:p>
         </p:txBody>
@@ -12802,7 +12918,6 @@
         <p:txBody>
           <a:bodyPr/>
           <a:lstStyle/>
-          <a:p/>
           <a:p/>
           <a:p/>
         </p:txBody>
@@ -12862,7 +12977,7 @@
         <p:spPr>
           <a:xfrm>
             <a:off x="0" y="914400"/>
-            <a:ext cx="8940800" cy="1854200"/>
+            <a:ext cx="8940800" cy="1587500"/>
           </a:xfrm>
           <a:prstGeom prst="rect">
             <a:avLst/>
@@ -12903,7 +13018,7 @@
           <a:lstStyle/>
           <a:p>
             <a:r>
-              <a:t>Limits for Your ASG</a:t>
+              <a:t>ALB Listener</a:t>
             </a:r>
           </a:p>
         </p:txBody>
@@ -12985,7 +13100,7 @@
         <p:spPr>
           <a:xfrm>
             <a:off x="0" y="914400"/>
-            <a:ext cx="6502400" cy="4521200"/>
+            <a:ext cx="7112000" cy="4521200"/>
           </a:xfrm>
           <a:prstGeom prst="rect">
             <a:avLst/>
@@ -13026,7 +13141,7 @@
           <a:lstStyle/>
           <a:p>
             <a:r>
-              <a:t>What the Target Group Do?</a:t>
+              <a:t>Security Group for ALB</a:t>
             </a:r>
           </a:p>
         </p:txBody>
@@ -13045,21 +13160,13 @@
         <p:txBody>
           <a:bodyPr/>
           <a:lstStyle/>
-          <a:p>
-            <a:r>
-              <a:t> health check your Instances by periodically sending an HTTP request to each Instance</a:t>
-            </a:r>
-          </a:p>
-          <a:p>
-            <a:r>
-              <a:t> will consider the Instance “healthy” only if the Instance returns a response that matches the configured matcher</a:t>
-            </a:r>
-          </a:p>
-          <a:p>
-            <a:r>
-              <a:t> we told the matcher to look for a 200 OK response the target group will automatically stop sending traffic to unhealthy instance</a:t>
-            </a:r>
-          </a:p>
+          <a:p/>
+          <a:p/>
+          <a:p/>
+          <a:p/>
+          <a:p/>
+          <a:p/>
+          <a:p/>
         </p:txBody>
       </p:sp>
       <p:sp>
@@ -13100,6 +13207,30 @@
           </a:p>
         </p:txBody>
       </p:sp>
+      <p:pic>
+        <p:nvPicPr>
+          <p:cNvPr id="5" name="Picture 4" descr="1.png"/>
+          <p:cNvPicPr>
+            <a:picLocks noChangeAspect="true"/>
+          </p:cNvPicPr>
+          <p:nvPr/>
+        </p:nvPicPr>
+        <p:blipFill>
+          <a:blip r:embed="rId1"/>
+          <a:stretch>
+            <a:fillRect/>
+          </a:stretch>
+        </p:blipFill>
+        <p:spPr>
+          <a:xfrm>
+            <a:off x="0" y="914400"/>
+            <a:ext cx="6350000" cy="5321300"/>
+          </a:xfrm>
+          <a:prstGeom prst="rect">
+            <a:avLst/>
+          </a:prstGeom>
+        </p:spPr>
+      </p:pic>
     </p:spTree>
   </p:cSld>
   <p:clrMapOvr>
@@ -13134,7 +13265,7 @@
           <a:lstStyle/>
           <a:p>
             <a:r>
-              <a:t>Target Group Knows Its EC2 Instances</a:t>
+              <a:t>"aws_lb resource" to Use Our Security Group</a:t>
             </a:r>
           </a:p>
         </p:txBody>
@@ -13153,9 +13284,6 @@
         <p:txBody>
           <a:bodyPr/>
           <a:lstStyle/>
-          <a:p/>
-          <a:p/>
-          <a:p/>
           <a:p/>
           <a:p/>
           <a:p/>
@@ -13215,8 +13343,8 @@
         </p:blipFill>
         <p:spPr>
           <a:xfrm>
-            <a:off x="0" y="1369060"/>
-            <a:ext cx="9137650" cy="4066540"/>
+            <a:off x="0" y="914400"/>
+            <a:ext cx="8940800" cy="1854200"/>
           </a:xfrm>
           <a:prstGeom prst="rect">
             <a:avLst/>
@@ -13257,7 +13385,7 @@
           <a:lstStyle/>
           <a:p>
             <a:r>
-              <a:t>ALB Listener Rule</a:t>
+              <a:t>Limits for Your ASG</a:t>
             </a:r>
           </a:p>
         </p:txBody>
@@ -13276,6 +13404,7 @@
         <p:txBody>
           <a:bodyPr/>
           <a:lstStyle/>
+          <a:p/>
           <a:p/>
           <a:p/>
           <a:p/>
@@ -13338,7 +13467,7 @@
         <p:spPr>
           <a:xfrm>
             <a:off x="0" y="914400"/>
-            <a:ext cx="8331200" cy="3987800"/>
+            <a:ext cx="6502400" cy="4521200"/>
           </a:xfrm>
           <a:prstGeom prst="rect">
             <a:avLst/>
@@ -13379,7 +13508,7 @@
           <a:lstStyle/>
           <a:p>
             <a:r>
-              <a:t>New Output - The DNS Name of the ALB</a:t>
+              <a:t>What the Target Group Do?</a:t>
             </a:r>
           </a:p>
         </p:txBody>
@@ -13398,8 +13527,21 @@
         <p:txBody>
           <a:bodyPr/>
           <a:lstStyle/>
-          <a:p/>
-          <a:p/>
+          <a:p>
+            <a:r>
+              <a:t> health check your Instances by periodically sending an HTTP request to each Instance</a:t>
+            </a:r>
+          </a:p>
+          <a:p>
+            <a:r>
+              <a:t> will consider the Instance “healthy” only if the Instance returns a response that matches the configured matcher</a:t>
+            </a:r>
+          </a:p>
+          <a:p>
+            <a:r>
+              <a:t> we told the matcher to look for a 200 OK response the target group will automatically stop sending traffic to unhealthy instance</a:t>
+            </a:r>
+          </a:p>
         </p:txBody>
       </p:sp>
       <p:sp>
@@ -13440,30 +13582,6 @@
           </a:p>
         </p:txBody>
       </p:sp>
-      <p:pic>
-        <p:nvPicPr>
-          <p:cNvPr id="5" name="Picture 4" descr="1.png"/>
-          <p:cNvPicPr>
-            <a:picLocks noChangeAspect="true"/>
-          </p:cNvPicPr>
-          <p:nvPr/>
-        </p:nvPicPr>
-        <p:blipFill>
-          <a:blip r:embed="rId1"/>
-          <a:stretch>
-            <a:fillRect/>
-          </a:stretch>
-        </p:blipFill>
-        <p:spPr>
-          <a:xfrm>
-            <a:off x="0" y="914400"/>
-            <a:ext cx="8940800" cy="1320800"/>
-          </a:xfrm>
-          <a:prstGeom prst="rect">
-            <a:avLst/>
-          </a:prstGeom>
-        </p:spPr>
-      </p:pic>
     </p:spTree>
   </p:cSld>
   <p:clrMapOvr>
@@ -13628,7 +13746,7 @@
           <a:lstStyle/>
           <a:p>
             <a:r>
-              <a:t>Results of Upcoming Lab - Instances</a:t>
+              <a:t>Target Group Knows Its EC2 Instances</a:t>
             </a:r>
           </a:p>
         </p:txBody>
@@ -13647,6 +13765,7 @@
         <p:txBody>
           <a:bodyPr/>
           <a:lstStyle/>
+          <a:p/>
           <a:p/>
           <a:p/>
           <a:p/>
@@ -13694,7 +13813,7 @@
       </p:sp>
       <p:pic>
         <p:nvPicPr>
-          <p:cNvPr id="5" name="Picture 4" descr="scaling1.png"/>
+          <p:cNvPr id="5" name="Picture 4" descr="1.png"/>
           <p:cNvPicPr>
             <a:picLocks noChangeAspect="true"/>
           </p:cNvPicPr>
@@ -13708,8 +13827,8 @@
         </p:blipFill>
         <p:spPr>
           <a:xfrm>
-            <a:off x="704215" y="1353820"/>
-            <a:ext cx="8485505" cy="2392045"/>
+            <a:off x="0" y="1369060"/>
+            <a:ext cx="9137650" cy="4066540"/>
           </a:xfrm>
           <a:prstGeom prst="rect">
             <a:avLst/>
@@ -13750,7 +13869,7 @@
           <a:lstStyle/>
           <a:p>
             <a:r>
-              <a:t>Results of Upcoming Lab - Load Balancer</a:t>
+              <a:t>ALB Listener Rule</a:t>
             </a:r>
           </a:p>
         </p:txBody>
@@ -13816,7 +13935,7 @@
       </p:sp>
       <p:pic>
         <p:nvPicPr>
-          <p:cNvPr id="5" name="Picture 4" descr="scaling2.png"/>
+          <p:cNvPr id="5" name="Picture 4" descr="1.png"/>
           <p:cNvPicPr>
             <a:picLocks noChangeAspect="true"/>
           </p:cNvPicPr>
@@ -13830,8 +13949,8 @@
         </p:blipFill>
         <p:spPr>
           <a:xfrm>
-            <a:off x="704215" y="1769110"/>
-            <a:ext cx="8496935" cy="1672590"/>
+            <a:off x="0" y="914400"/>
+            <a:ext cx="8331200" cy="3987800"/>
           </a:xfrm>
           <a:prstGeom prst="rect">
             <a:avLst/>
@@ -13872,7 +13991,7 @@
           <a:lstStyle/>
           <a:p>
             <a:r>
-              <a:t>Results of Upcoming Lab - Target Group</a:t>
+              <a:t>New Output - The DNS Name of the ALB</a:t>
             </a:r>
           </a:p>
         </p:txBody>
@@ -13891,9 +14010,6 @@
         <p:txBody>
           <a:bodyPr/>
           <a:lstStyle/>
-          <a:p/>
-          <a:p/>
-          <a:p/>
           <a:p/>
           <a:p/>
         </p:txBody>
@@ -13938,7 +14054,7 @@
       </p:sp>
       <p:pic>
         <p:nvPicPr>
-          <p:cNvPr id="5" name="Picture 4" descr="scaling3.png"/>
+          <p:cNvPr id="5" name="Picture 4" descr="1.png"/>
           <p:cNvPicPr>
             <a:picLocks noChangeAspect="true"/>
           </p:cNvPicPr>
@@ -13952,8 +14068,8 @@
         </p:blipFill>
         <p:spPr>
           <a:xfrm>
-            <a:off x="704215" y="1515745"/>
-            <a:ext cx="8286750" cy="2027555"/>
+            <a:off x="0" y="914400"/>
+            <a:ext cx="8940800" cy="1320800"/>
           </a:xfrm>
           <a:prstGeom prst="rect">
             <a:avLst/>
@@ -13994,6 +14110,372 @@
           <a:lstStyle/>
           <a:p>
             <a:r>
+              <a:t>Results of Upcoming Lab - Instances</a:t>
+            </a:r>
+          </a:p>
+        </p:txBody>
+      </p:sp>
+      <p:sp>
+        <p:nvSpPr>
+          <p:cNvPr id="3" name="Content Placeholder 2"/>
+          <p:cNvSpPr>
+            <a:spLocks noGrp="true"/>
+          </p:cNvSpPr>
+          <p:nvPr>
+            <p:ph idx="1"/>
+          </p:nvPr>
+        </p:nvSpPr>
+        <p:spPr/>
+        <p:txBody>
+          <a:bodyPr/>
+          <a:lstStyle/>
+          <a:p/>
+          <a:p/>
+          <a:p/>
+          <a:p/>
+          <a:p/>
+        </p:txBody>
+      </p:sp>
+      <p:sp>
+        <p:nvSpPr>
+          <p:cNvPr id="4" name="TextBox 3"/>
+          <p:cNvSpPr txBox="true"/>
+          <p:nvPr/>
+        </p:nvSpPr>
+        <p:spPr>
+          <a:xfrm>
+            <a:off x="704088" y="8065008"/>
+            <a:ext cx="8915400" cy="228600"/>
+          </a:xfrm>
+          <a:prstGeom prst="rect">
+            <a:avLst/>
+          </a:prstGeom>
+          <a:noFill/>
+        </p:spPr>
+        <p:txBody>
+          <a:bodyPr wrap="none">
+            <a:spAutoFit/>
+          </a:bodyPr>
+          <a:lstStyle/>
+          <a:p>
+            <a:r>
+              <a:rPr sz="800">
+                <a:solidFill>
+                  <a:srgbClr val="000000"/>
+                </a:solidFill>
+              </a:rPr>
+              <a:t>Copyright © 2021 by Elephant Scale, All Rights Reserved</a:t>
+            </a:r>
+            <a:endParaRPr sz="800">
+              <a:solidFill>
+                <a:srgbClr val="000000"/>
+              </a:solidFill>
+            </a:endParaRPr>
+          </a:p>
+        </p:txBody>
+      </p:sp>
+      <p:pic>
+        <p:nvPicPr>
+          <p:cNvPr id="5" name="Picture 4" descr="scaling1.png"/>
+          <p:cNvPicPr>
+            <a:picLocks noChangeAspect="true"/>
+          </p:cNvPicPr>
+          <p:nvPr/>
+        </p:nvPicPr>
+        <p:blipFill>
+          <a:blip r:embed="rId1"/>
+          <a:stretch>
+            <a:fillRect/>
+          </a:stretch>
+        </p:blipFill>
+        <p:spPr>
+          <a:xfrm>
+            <a:off x="704215" y="1353820"/>
+            <a:ext cx="8485505" cy="2392045"/>
+          </a:xfrm>
+          <a:prstGeom prst="rect">
+            <a:avLst/>
+          </a:prstGeom>
+        </p:spPr>
+      </p:pic>
+    </p:spTree>
+  </p:cSld>
+  <p:clrMapOvr>
+    <a:masterClrMapping/>
+  </p:clrMapOvr>
+</p:sld>
+</file>
+
+<file path=ppt/slides/slide84.xml><?xml version="1.0" encoding="utf-8"?>
+<p:sld xmlns:a="http://schemas.openxmlformats.org/drawingml/2006/main" xmlns:r="http://schemas.openxmlformats.org/officeDocument/2006/relationships" xmlns:p="http://schemas.openxmlformats.org/presentationml/2006/main">
+  <p:cSld>
+    <p:spTree>
+      <p:nvGrpSpPr>
+        <p:cNvPr id="1" name=""/>
+        <p:cNvGrpSpPr/>
+        <p:nvPr/>
+      </p:nvGrpSpPr>
+      <p:grpSpPr/>
+      <p:sp>
+        <p:nvSpPr>
+          <p:cNvPr id="2" name="Title 1"/>
+          <p:cNvSpPr>
+            <a:spLocks noGrp="true"/>
+          </p:cNvSpPr>
+          <p:nvPr>
+            <p:ph type="title"/>
+          </p:nvPr>
+        </p:nvSpPr>
+        <p:spPr/>
+        <p:txBody>
+          <a:bodyPr/>
+          <a:lstStyle/>
+          <a:p>
+            <a:r>
+              <a:t>Results of Upcoming Lab - Load Balancer</a:t>
+            </a:r>
+          </a:p>
+        </p:txBody>
+      </p:sp>
+      <p:sp>
+        <p:nvSpPr>
+          <p:cNvPr id="3" name="Content Placeholder 2"/>
+          <p:cNvSpPr>
+            <a:spLocks noGrp="true"/>
+          </p:cNvSpPr>
+          <p:nvPr>
+            <p:ph idx="1"/>
+          </p:nvPr>
+        </p:nvSpPr>
+        <p:spPr/>
+        <p:txBody>
+          <a:bodyPr/>
+          <a:lstStyle/>
+          <a:p/>
+          <a:p/>
+          <a:p/>
+          <a:p/>
+          <a:p/>
+        </p:txBody>
+      </p:sp>
+      <p:sp>
+        <p:nvSpPr>
+          <p:cNvPr id="4" name="TextBox 3"/>
+          <p:cNvSpPr txBox="true"/>
+          <p:nvPr/>
+        </p:nvSpPr>
+        <p:spPr>
+          <a:xfrm>
+            <a:off x="704088" y="8065008"/>
+            <a:ext cx="8915400" cy="228600"/>
+          </a:xfrm>
+          <a:prstGeom prst="rect">
+            <a:avLst/>
+          </a:prstGeom>
+          <a:noFill/>
+        </p:spPr>
+        <p:txBody>
+          <a:bodyPr wrap="none">
+            <a:spAutoFit/>
+          </a:bodyPr>
+          <a:lstStyle/>
+          <a:p>
+            <a:r>
+              <a:rPr sz="800">
+                <a:solidFill>
+                  <a:srgbClr val="000000"/>
+                </a:solidFill>
+              </a:rPr>
+              <a:t>Copyright © 2021 by Elephant Scale, All Rights Reserved</a:t>
+            </a:r>
+            <a:endParaRPr sz="800">
+              <a:solidFill>
+                <a:srgbClr val="000000"/>
+              </a:solidFill>
+            </a:endParaRPr>
+          </a:p>
+        </p:txBody>
+      </p:sp>
+      <p:pic>
+        <p:nvPicPr>
+          <p:cNvPr id="5" name="Picture 4" descr="scaling2.png"/>
+          <p:cNvPicPr>
+            <a:picLocks noChangeAspect="true"/>
+          </p:cNvPicPr>
+          <p:nvPr/>
+        </p:nvPicPr>
+        <p:blipFill>
+          <a:blip r:embed="rId1"/>
+          <a:stretch>
+            <a:fillRect/>
+          </a:stretch>
+        </p:blipFill>
+        <p:spPr>
+          <a:xfrm>
+            <a:off x="704215" y="1769110"/>
+            <a:ext cx="8496935" cy="1672590"/>
+          </a:xfrm>
+          <a:prstGeom prst="rect">
+            <a:avLst/>
+          </a:prstGeom>
+        </p:spPr>
+      </p:pic>
+    </p:spTree>
+  </p:cSld>
+  <p:clrMapOvr>
+    <a:masterClrMapping/>
+  </p:clrMapOvr>
+</p:sld>
+</file>
+
+<file path=ppt/slides/slide85.xml><?xml version="1.0" encoding="utf-8"?>
+<p:sld xmlns:a="http://schemas.openxmlformats.org/drawingml/2006/main" xmlns:r="http://schemas.openxmlformats.org/officeDocument/2006/relationships" xmlns:p="http://schemas.openxmlformats.org/presentationml/2006/main">
+  <p:cSld>
+    <p:spTree>
+      <p:nvGrpSpPr>
+        <p:cNvPr id="1" name=""/>
+        <p:cNvGrpSpPr/>
+        <p:nvPr/>
+      </p:nvGrpSpPr>
+      <p:grpSpPr/>
+      <p:sp>
+        <p:nvSpPr>
+          <p:cNvPr id="2" name="Title 1"/>
+          <p:cNvSpPr>
+            <a:spLocks noGrp="true"/>
+          </p:cNvSpPr>
+          <p:nvPr>
+            <p:ph type="title"/>
+          </p:nvPr>
+        </p:nvSpPr>
+        <p:spPr/>
+        <p:txBody>
+          <a:bodyPr/>
+          <a:lstStyle/>
+          <a:p>
+            <a:r>
+              <a:t>Results of Upcoming Lab - Target Group</a:t>
+            </a:r>
+          </a:p>
+        </p:txBody>
+      </p:sp>
+      <p:sp>
+        <p:nvSpPr>
+          <p:cNvPr id="3" name="Content Placeholder 2"/>
+          <p:cNvSpPr>
+            <a:spLocks noGrp="true"/>
+          </p:cNvSpPr>
+          <p:nvPr>
+            <p:ph idx="1"/>
+          </p:nvPr>
+        </p:nvSpPr>
+        <p:spPr/>
+        <p:txBody>
+          <a:bodyPr/>
+          <a:lstStyle/>
+          <a:p/>
+          <a:p/>
+          <a:p/>
+          <a:p/>
+          <a:p/>
+        </p:txBody>
+      </p:sp>
+      <p:sp>
+        <p:nvSpPr>
+          <p:cNvPr id="4" name="TextBox 3"/>
+          <p:cNvSpPr txBox="true"/>
+          <p:nvPr/>
+        </p:nvSpPr>
+        <p:spPr>
+          <a:xfrm>
+            <a:off x="704088" y="8065008"/>
+            <a:ext cx="8915400" cy="228600"/>
+          </a:xfrm>
+          <a:prstGeom prst="rect">
+            <a:avLst/>
+          </a:prstGeom>
+          <a:noFill/>
+        </p:spPr>
+        <p:txBody>
+          <a:bodyPr wrap="none">
+            <a:spAutoFit/>
+          </a:bodyPr>
+          <a:lstStyle/>
+          <a:p>
+            <a:r>
+              <a:rPr sz="800">
+                <a:solidFill>
+                  <a:srgbClr val="000000"/>
+                </a:solidFill>
+              </a:rPr>
+              <a:t>Copyright © 2021 by Elephant Scale, All Rights Reserved</a:t>
+            </a:r>
+            <a:endParaRPr sz="800">
+              <a:solidFill>
+                <a:srgbClr val="000000"/>
+              </a:solidFill>
+            </a:endParaRPr>
+          </a:p>
+        </p:txBody>
+      </p:sp>
+      <p:pic>
+        <p:nvPicPr>
+          <p:cNvPr id="5" name="Picture 4" descr="scaling3.png"/>
+          <p:cNvPicPr>
+            <a:picLocks noChangeAspect="true"/>
+          </p:cNvPicPr>
+          <p:nvPr/>
+        </p:nvPicPr>
+        <p:blipFill>
+          <a:blip r:embed="rId1"/>
+          <a:stretch>
+            <a:fillRect/>
+          </a:stretch>
+        </p:blipFill>
+        <p:spPr>
+          <a:xfrm>
+            <a:off x="704215" y="1515745"/>
+            <a:ext cx="8286750" cy="2027555"/>
+          </a:xfrm>
+          <a:prstGeom prst="rect">
+            <a:avLst/>
+          </a:prstGeom>
+        </p:spPr>
+      </p:pic>
+    </p:spTree>
+  </p:cSld>
+  <p:clrMapOvr>
+    <a:masterClrMapping/>
+  </p:clrMapOvr>
+</p:sld>
+</file>
+
+<file path=ppt/slides/slide86.xml><?xml version="1.0" encoding="utf-8"?>
+<p:sld xmlns:a="http://schemas.openxmlformats.org/drawingml/2006/main" xmlns:r="http://schemas.openxmlformats.org/officeDocument/2006/relationships" xmlns:p="http://schemas.openxmlformats.org/presentationml/2006/main">
+  <p:cSld>
+    <p:spTree>
+      <p:nvGrpSpPr>
+        <p:cNvPr id="1" name=""/>
+        <p:cNvGrpSpPr/>
+        <p:nvPr/>
+      </p:nvGrpSpPr>
+      <p:grpSpPr/>
+      <p:sp>
+        <p:nvSpPr>
+          <p:cNvPr id="2" name="Title 1"/>
+          <p:cNvSpPr>
+            <a:spLocks noGrp="true"/>
+          </p:cNvSpPr>
+          <p:nvPr>
+            <p:ph type="title"/>
+          </p:nvPr>
+        </p:nvSpPr>
+        <p:spPr/>
+        <p:txBody>
+          <a:bodyPr/>
+          <a:lstStyle/>
+          <a:p>
+            <a:r>
               <a:t>Lab: Deploy a Cluster with Load Balancer</a:t>
             </a:r>
           </a:p>
@@ -14015,7 +14497,7 @@
           <a:lstStyle/>
           <a:p>
             <a:r>
-              <a:t> Please do this lab</a:t>
+              <a:t>Please do this labhttps://github.com/elephantscale/terraform-up-and-running-code/blob/master/labs/lab02-3.md</a:t>
             </a:r>
           </a:p>
           <a:p>
@@ -14023,7 +14505,7 @@
               <a:rPr>
                 <a:latin typeface="Courier New" panose="02070309020205020404"/>
               </a:rPr>
-              <a:t> code/terraform/01-why-terraform/web-server/step3</a:t>
+              <a:t>terraform-up-and-running-code/labs/lab02-3.md</a:t>
             </a:r>
             <a:endParaRPr>
               <a:latin typeface="Courier New" panose="02070309020205020404"/>
@@ -14032,16 +14514,26 @@
           <a:p>
             <a:r>
               <a:rPr>
-                <a:hlinkClick r:id="rId1"/>
-              </a:rPr>
-              <a:t> Here</a:t>
-            </a:r>
-          </a:p>
-          <a:p>
-            <a:r>
-              <a:t> In this lab, we practice setting up a complete Terraform architecture</a:t>
-            </a:r>
-          </a:p>
+                <a:sym typeface="+mn-ea"/>
+                <a:hlinkClick r:id="rId1" tooltip="" action="ppaction://hlinkfile"/>
+              </a:rPr>
+              <a:t>https://github.com/elephantscale/terraform-up-and-running-code/blob/master/labs/lab02-3.md</a:t>
+            </a:r>
+            <a:endParaRPr>
+              <a:sym typeface="+mn-ea"/>
+            </a:endParaRPr>
+          </a:p>
+          <a:p>
+            <a:endParaRPr>
+              <a:sym typeface="+mn-ea"/>
+            </a:endParaRPr>
+          </a:p>
+          <a:p>
+            <a:endParaRPr>
+              <a:latin typeface="Courier New" panose="02070309020205020404"/>
+            </a:endParaRPr>
+          </a:p>
+          <a:p/>
         </p:txBody>
       </p:sp>
       <p:sp>
